--- a/Представление.pptx
+++ b/Представление.pptx
@@ -10,14 +10,15 @@
   <p:sldIdLst>
     <p:sldId id="256" r:id="rId5"/>
     <p:sldId id="257" r:id="rId6"/>
-    <p:sldId id="258" r:id="rId7"/>
-    <p:sldId id="259" r:id="rId8"/>
-    <p:sldId id="260" r:id="rId9"/>
-    <p:sldId id="261" r:id="rId10"/>
-    <p:sldId id="262" r:id="rId11"/>
-    <p:sldId id="263" r:id="rId12"/>
-    <p:sldId id="264" r:id="rId13"/>
-    <p:sldId id="265" r:id="rId14"/>
+    <p:sldId id="266" r:id="rId7"/>
+    <p:sldId id="258" r:id="rId8"/>
+    <p:sldId id="259" r:id="rId9"/>
+    <p:sldId id="260" r:id="rId10"/>
+    <p:sldId id="261" r:id="rId11"/>
+    <p:sldId id="262" r:id="rId12"/>
+    <p:sldId id="263" r:id="rId13"/>
+    <p:sldId id="264" r:id="rId14"/>
+    <p:sldId id="265" r:id="rId15"/>
   </p:sldIdLst>
   <p:sldSz cx="12192000" cy="6858000"/>
   <p:notesSz cx="7559675" cy="10691813"/>
@@ -1413,7 +1414,7 @@
           <a:lstStyle/>
           <a:p>
             <a:pPr algn="ctr"/>
-            <a:endParaRPr lang="ru-RU" sz="3200" b="0" strike="noStrike" spc="-1">
+            <a:endParaRPr lang="ru-RU" sz="3200" b="0" strike="noStrike" spc="-1" dirty="0">
               <a:solidFill>
                 <a:srgbClr val="000000"/>
               </a:solidFill>
@@ -18429,6 +18430,326 @@
       </p:grpSpPr>
       <p:sp>
         <p:nvSpPr>
+          <p:cNvPr id="275" name="TextShape 1"/>
+          <p:cNvSpPr txBox="1"/>
+          <p:nvPr/>
+        </p:nvSpPr>
+        <p:spPr>
+          <a:xfrm>
+            <a:off x="2103683" y="545040"/>
+            <a:ext cx="8911440" cy="1280520"/>
+          </a:xfrm>
+          <a:prstGeom prst="rect">
+            <a:avLst/>
+          </a:prstGeom>
+          <a:noFill/>
+          <a:ln>
+            <a:noFill/>
+          </a:ln>
+        </p:spPr>
+        <p:txBody>
+          <a:bodyPr/>
+          <a:lstStyle/>
+          <a:p>
+            <a:pPr>
+              <a:lnSpc>
+                <a:spcPct val="100000"/>
+              </a:lnSpc>
+            </a:pPr>
+            <a:r>
+              <a:rPr lang="ru-RU" sz="3600" spc="-1" dirty="0" smtClean="0">
+                <a:solidFill>
+                  <a:srgbClr val="262626"/>
+                </a:solidFill>
+                <a:uFill>
+                  <a:solidFill>
+                    <a:srgbClr val="FFFFFF"/>
+                  </a:solidFill>
+                </a:uFill>
+                <a:latin typeface="Century Gothic"/>
+              </a:rPr>
+              <a:t>Музыкальное оформление</a:t>
+            </a:r>
+            <a:endParaRPr lang="ru-RU" sz="1800" b="0" strike="noStrike" spc="-1" dirty="0">
+              <a:solidFill>
+                <a:srgbClr val="000000"/>
+              </a:solidFill>
+              <a:uFill>
+                <a:solidFill>
+                  <a:srgbClr val="FFFFFF"/>
+                </a:solidFill>
+              </a:uFill>
+              <a:latin typeface="Century Gothic"/>
+            </a:endParaRPr>
+          </a:p>
+        </p:txBody>
+      </p:sp>
+      <p:sp>
+        <p:nvSpPr>
+          <p:cNvPr id="276" name="TextShape 2"/>
+          <p:cNvSpPr txBox="1"/>
+          <p:nvPr/>
+        </p:nvSpPr>
+        <p:spPr>
+          <a:xfrm>
+            <a:off x="838080" y="1825560"/>
+            <a:ext cx="10515240" cy="955800"/>
+          </a:xfrm>
+          <a:prstGeom prst="rect">
+            <a:avLst/>
+          </a:prstGeom>
+          <a:noFill/>
+          <a:ln>
+            <a:noFill/>
+          </a:ln>
+        </p:spPr>
+        <p:txBody>
+          <a:bodyPr/>
+          <a:lstStyle/>
+          <a:p>
+            <a:pPr marL="343080" indent="-342720">
+              <a:lnSpc>
+                <a:spcPct val="100000"/>
+              </a:lnSpc>
+              <a:buClr>
+                <a:srgbClr val="A53010"/>
+              </a:buClr>
+              <a:buFont typeface="Wingdings 3" charset="2"/>
+              <a:buChar char=""/>
+            </a:pPr>
+            <a:r>
+              <a:rPr lang="ru-RU" sz="1800" b="0" strike="noStrike" spc="-1" dirty="0" smtClean="0">
+                <a:solidFill>
+                  <a:srgbClr val="404040"/>
+                </a:solidFill>
+                <a:uFill>
+                  <a:solidFill>
+                    <a:srgbClr val="FFFFFF"/>
+                  </a:solidFill>
+                </a:uFill>
+                <a:latin typeface="Century Gothic"/>
+              </a:rPr>
+              <a:t>В игре присутствует музыкальное оформление под трек </a:t>
+            </a:r>
+            <a:r>
+              <a:rPr lang="en-US" sz="1800" b="0" strike="noStrike" spc="-1" dirty="0" smtClean="0">
+                <a:solidFill>
+                  <a:srgbClr val="404040"/>
+                </a:solidFill>
+                <a:uFill>
+                  <a:solidFill>
+                    <a:srgbClr val="FFFFFF"/>
+                  </a:solidFill>
+                </a:uFill>
+                <a:latin typeface="Century Gothic"/>
+              </a:rPr>
+              <a:t>LXST CX</a:t>
+            </a:r>
+            <a:r>
+              <a:rPr lang="en-US" spc="-1" dirty="0" smtClean="0">
+                <a:solidFill>
+                  <a:srgbClr val="404040"/>
+                </a:solidFill>
+                <a:uFill>
+                  <a:solidFill>
+                    <a:srgbClr val="FFFFFF"/>
+                  </a:solidFill>
+                </a:uFill>
+                <a:latin typeface="Century Gothic"/>
+              </a:rPr>
+              <a:t>NTURY - EVOLUTION</a:t>
+            </a:r>
+            <a:endParaRPr lang="ru-RU" sz="1800" b="0" strike="noStrike" spc="-1" dirty="0">
+              <a:solidFill>
+                <a:srgbClr val="404040"/>
+              </a:solidFill>
+              <a:uFill>
+                <a:solidFill>
+                  <a:srgbClr val="FFFFFF"/>
+                </a:solidFill>
+              </a:uFill>
+              <a:latin typeface="Century Gothic"/>
+            </a:endParaRPr>
+          </a:p>
+        </p:txBody>
+      </p:sp>
+      <p:pic>
+        <p:nvPicPr>
+          <p:cNvPr id="1027" name="Picture 3" descr="Как изменить звуки в Windows 10 | Будни технической поддержки"/>
+          <p:cNvPicPr>
+            <a:picLocks noChangeAspect="1" noChangeArrowheads="1"/>
+          </p:cNvPicPr>
+          <p:nvPr/>
+        </p:nvPicPr>
+        <p:blipFill>
+          <a:blip r:embed="rId2" cstate="print">
+            <a:extLst>
+              <a:ext uri="{28A0092B-C50C-407E-A947-70E740481C1C}">
+                <a14:useLocalDpi xmlns:a14="http://schemas.microsoft.com/office/drawing/2010/main" val="0"/>
+              </a:ext>
+            </a:extLst>
+          </a:blip>
+          <a:srcRect/>
+          <a:stretch>
+            <a:fillRect/>
+          </a:stretch>
+        </p:blipFill>
+        <p:spPr bwMode="auto">
+          <a:xfrm>
+            <a:off x="848124" y="3106079"/>
+            <a:ext cx="2015447" cy="1929559"/>
+          </a:xfrm>
+          <a:prstGeom prst="rect">
+            <a:avLst/>
+          </a:prstGeom>
+          <a:noFill/>
+          <a:extLst>
+            <a:ext uri="{909E8E84-426E-40DD-AFC4-6F175D3DCCD1}">
+              <a14:hiddenFill xmlns:a14="http://schemas.microsoft.com/office/drawing/2010/main">
+                <a:solidFill>
+                  <a:srgbClr val="FFFFFF"/>
+                </a:solidFill>
+              </a14:hiddenFill>
+            </a:ext>
+          </a:extLst>
+        </p:spPr>
+      </p:pic>
+      <p:pic>
+        <p:nvPicPr>
+          <p:cNvPr id="1029" name="Picture 5" descr="Как изменить звуки в Windows 10 | Будни технической поддержки"/>
+          <p:cNvPicPr>
+            <a:picLocks noChangeAspect="1" noChangeArrowheads="1"/>
+          </p:cNvPicPr>
+          <p:nvPr/>
+        </p:nvPicPr>
+        <p:blipFill>
+          <a:blip r:embed="rId2" cstate="print">
+            <a:extLst>
+              <a:ext uri="{28A0092B-C50C-407E-A947-70E740481C1C}">
+                <a14:useLocalDpi xmlns:a14="http://schemas.microsoft.com/office/drawing/2010/main" val="0"/>
+              </a:ext>
+            </a:extLst>
+          </a:blip>
+          <a:srcRect/>
+          <a:stretch>
+            <a:fillRect/>
+          </a:stretch>
+        </p:blipFill>
+        <p:spPr bwMode="auto">
+          <a:xfrm rot="10800000">
+            <a:off x="9350008" y="3348963"/>
+            <a:ext cx="2248900" cy="1686675"/>
+          </a:xfrm>
+          <a:prstGeom prst="rect">
+            <a:avLst/>
+          </a:prstGeom>
+          <a:noFill/>
+          <a:extLst>
+            <a:ext uri="{909E8E84-426E-40DD-AFC4-6F175D3DCCD1}">
+              <a14:hiddenFill xmlns:a14="http://schemas.microsoft.com/office/drawing/2010/main">
+                <a:solidFill>
+                  <a:srgbClr val="FFFFFF"/>
+                </a:solidFill>
+              </a14:hiddenFill>
+            </a:ext>
+          </a:extLst>
+        </p:spPr>
+      </p:pic>
+      <p:pic>
+        <p:nvPicPr>
+          <p:cNvPr id="1031" name="Picture 7" descr="Громкость 100% - парень выкручивает звук на полную"/>
+          <p:cNvPicPr>
+            <a:picLocks noChangeAspect="1" noChangeArrowheads="1"/>
+          </p:cNvPicPr>
+          <p:nvPr/>
+        </p:nvPicPr>
+        <p:blipFill>
+          <a:blip r:embed="rId3">
+            <a:extLst>
+              <a:ext uri="{28A0092B-C50C-407E-A947-70E740481C1C}">
+                <a14:useLocalDpi xmlns:a14="http://schemas.microsoft.com/office/drawing/2010/main" val="0"/>
+              </a:ext>
+            </a:extLst>
+          </a:blip>
+          <a:srcRect/>
+          <a:stretch>
+            <a:fillRect/>
+          </a:stretch>
+        </p:blipFill>
+        <p:spPr bwMode="auto">
+          <a:xfrm>
+            <a:off x="3392884" y="2781360"/>
+            <a:ext cx="5753319" cy="3236243"/>
+          </a:xfrm>
+          <a:prstGeom prst="rect">
+            <a:avLst/>
+          </a:prstGeom>
+          <a:noFill/>
+          <a:extLst>
+            <a:ext uri="{909E8E84-426E-40DD-AFC4-6F175D3DCCD1}">
+              <a14:hiddenFill xmlns:a14="http://schemas.microsoft.com/office/drawing/2010/main">
+                <a:solidFill>
+                  <a:srgbClr val="FFFFFF"/>
+                </a:solidFill>
+              </a14:hiddenFill>
+            </a:ext>
+          </a:extLst>
+        </p:spPr>
+      </p:pic>
+    </p:spTree>
+  </p:cSld>
+  <p:clrMapOvr>
+    <a:masterClrMapping/>
+  </p:clrMapOvr>
+  <p:timing>
+    <p:tnLst>
+      <p:par>
+        <p:cTn id="1" dur="indefinite" restart="never" nodeType="tmRoot">
+          <p:childTnLst>
+            <p:seq>
+              <p:cTn id="2" nodeType="mainSeq"/>
+              <p:prevCondLst>
+                <p:cond evt="onPrev" delay="0">
+                  <p:tgtEl>
+                    <p:sldTgt/>
+                  </p:tgtEl>
+                </p:cond>
+              </p:prevCondLst>
+              <p:nextCondLst>
+                <p:cond evt="onNext" delay="0">
+                  <p:tgtEl>
+                    <p:sldTgt/>
+                  </p:tgtEl>
+                </p:cond>
+              </p:nextCondLst>
+            </p:seq>
+          </p:childTnLst>
+        </p:cTn>
+      </p:par>
+    </p:tnLst>
+  </p:timing>
+</p:sld>
+</file>
+
+<file path=ppt/slides/slide11.xml><?xml version="1.0" encoding="utf-8"?>
+<p:sld xmlns:a="http://schemas.openxmlformats.org/drawingml/2006/main" xmlns:r="http://schemas.openxmlformats.org/officeDocument/2006/relationships" xmlns:p="http://schemas.openxmlformats.org/presentationml/2006/main">
+  <p:cSld>
+    <p:spTree>
+      <p:nvGrpSpPr>
+        <p:cNvPr id="1" name=""/>
+        <p:cNvGrpSpPr/>
+        <p:nvPr/>
+      </p:nvGrpSpPr>
+      <p:grpSpPr>
+        <a:xfrm>
+          <a:off x="0" y="0"/>
+          <a:ext cx="0" cy="0"/>
+          <a:chOff x="0" y="0"/>
+          <a:chExt cx="0" cy="0"/>
+        </a:xfrm>
+      </p:grpSpPr>
+      <p:sp>
+        <p:nvSpPr>
           <p:cNvPr id="2" name="Заголовок 1"/>
           <p:cNvSpPr>
             <a:spLocks noGrp="1"/>
@@ -18624,7 +18945,7 @@
           <a:lstStyle/>
           <a:p>
             <a:r>
-              <a:rPr lang="ru-RU" sz="1800" b="0" strike="noStrike" spc="-1" dirty="0">
+              <a:rPr lang="ru-RU" spc="-1" dirty="0" smtClean="0">
                 <a:solidFill>
                   <a:srgbClr val="000000"/>
                 </a:solidFill>
@@ -18635,7 +18956,65 @@
                 </a:uFill>
                 <a:latin typeface="Century Gothic"/>
               </a:rPr>
-              <a:t>Идея:
+              <a:t>Введение</a:t>
+            </a:r>
+            <a:r>
+              <a:rPr lang="ru-RU" sz="1800" b="0" strike="noStrike" spc="-1" dirty="0" smtClean="0">
+                <a:solidFill>
+                  <a:srgbClr val="000000"/>
+                </a:solidFill>
+                <a:uFill>
+                  <a:solidFill>
+                    <a:srgbClr val="FFFFFF"/>
+                  </a:solidFill>
+                </a:uFill>
+                <a:latin typeface="Century Gothic"/>
+              </a:rPr>
+              <a:t>:</a:t>
+            </a:r>
+          </a:p>
+          <a:p>
+            <a:r>
+              <a:rPr lang="ru-RU" spc="-1" dirty="0" smtClean="0">
+                <a:solidFill>
+                  <a:srgbClr val="000000"/>
+                </a:solidFill>
+                <a:uFill>
+                  <a:solidFill>
+                    <a:srgbClr val="FFFFFF"/>
+                  </a:solidFill>
+                </a:uFill>
+                <a:latin typeface="Century Gothic"/>
+              </a:rPr>
+              <a:t>Идея</a:t>
+            </a:r>
+            <a:r>
+              <a:rPr lang="en-US" spc="-1" dirty="0" smtClean="0">
+                <a:solidFill>
+                  <a:srgbClr val="000000"/>
+                </a:solidFill>
+                <a:uFill>
+                  <a:solidFill>
+                    <a:srgbClr val="FFFFFF"/>
+                  </a:solidFill>
+                </a:uFill>
+                <a:latin typeface="Century Gothic"/>
+              </a:rPr>
+              <a:t>:</a:t>
+            </a:r>
+            <a:r>
+              <a:rPr lang="ru-RU" sz="1800" b="0" strike="noStrike" spc="-1" dirty="0">
+                <a:solidFill>
+                  <a:srgbClr val="000000"/>
+                </a:solidFill>
+                <a:uFill>
+                  <a:solidFill>
+                    <a:srgbClr val="FFFFFF"/>
+                  </a:solidFill>
+                </a:uFill>
+                <a:latin typeface="Century Gothic"/>
+              </a:rPr>
+              <a:t>
 </a:t>
             </a:r>
             <a:r>
@@ -18804,7 +19183,118 @@
                 </a:uFill>
                 <a:latin typeface="Century Gothic"/>
               </a:rPr>
-              <a:t>изменять скорость мячика и выбором нескольких режимов игры.</a:t>
+              <a:t>изменять скорость мячика и выбором нескольких режимов игры</a:t>
+            </a:r>
+            <a:r>
+              <a:rPr lang="ru-RU" sz="1800" b="0" strike="noStrike" spc="-1" dirty="0" smtClean="0">
+                <a:solidFill>
+                  <a:srgbClr val="000000"/>
+                </a:solidFill>
+                <a:uFill>
+                  <a:solidFill>
+                    <a:srgbClr val="FFFFFF"/>
+                  </a:solidFill>
+                </a:uFill>
+                <a:latin typeface="Century Gothic"/>
+              </a:rPr>
+              <a:t>.</a:t>
+            </a:r>
+            <a:endParaRPr lang="en-US" sz="1800" b="0" strike="noStrike" spc="-1" dirty="0" smtClean="0">
+              <a:solidFill>
+                <a:srgbClr val="000000"/>
+              </a:solidFill>
+              <a:uFill>
+                <a:solidFill>
+                  <a:srgbClr val="FFFFFF"/>
+                </a:solidFill>
+              </a:uFill>
+              <a:latin typeface="Century Gothic"/>
+            </a:endParaRPr>
+          </a:p>
+          <a:p>
+            <a:endParaRPr lang="en-US" spc="-1" dirty="0">
+              <a:solidFill>
+                <a:srgbClr val="000000"/>
+              </a:solidFill>
+              <a:uFill>
+                <a:solidFill>
+                  <a:srgbClr val="FFFFFF"/>
+                </a:solidFill>
+              </a:uFill>
+              <a:latin typeface="Century Gothic"/>
+            </a:endParaRPr>
+          </a:p>
+          <a:p>
+            <a:r>
+              <a:rPr lang="ru-RU" spc="-1" dirty="0" smtClean="0">
+                <a:solidFill>
+                  <a:srgbClr val="000000"/>
+                </a:solidFill>
+                <a:uFill>
+                  <a:solidFill>
+                    <a:srgbClr val="FFFFFF"/>
+                  </a:solidFill>
+                </a:uFill>
+                <a:latin typeface="Century Gothic"/>
+              </a:rPr>
+              <a:t>Для решения каких задач он создан?</a:t>
+            </a:r>
+          </a:p>
+          <a:p>
+            <a:endParaRPr lang="ru-RU" sz="1800" b="0" strike="noStrike" spc="-1" dirty="0">
+              <a:solidFill>
+                <a:srgbClr val="000000"/>
+              </a:solidFill>
+              <a:uFill>
+                <a:solidFill>
+                  <a:srgbClr val="FFFFFF"/>
+                </a:solidFill>
+              </a:uFill>
+              <a:latin typeface="Century Gothic"/>
+            </a:endParaRPr>
+          </a:p>
+          <a:p>
+            <a:r>
+              <a:rPr lang="ru-RU" spc="-1" dirty="0" smtClean="0">
+                <a:solidFill>
+                  <a:srgbClr val="000000"/>
+                </a:solidFill>
+                <a:uFill>
+                  <a:solidFill>
+                    <a:srgbClr val="FFFFFF"/>
+                  </a:solidFill>
+                </a:uFill>
+                <a:latin typeface="Century Gothic"/>
+              </a:rPr>
+              <a:t>Это приложение </a:t>
+            </a:r>
+            <a:r>
+              <a:rPr lang="en-US" spc="-1" dirty="0" smtClean="0">
+                <a:solidFill>
+                  <a:srgbClr val="000000"/>
+                </a:solidFill>
+                <a:uFill>
+                  <a:solidFill>
+                    <a:srgbClr val="FFFFFF"/>
+                  </a:solidFill>
+                </a:uFill>
+                <a:latin typeface="Century Gothic"/>
+              </a:rPr>
+              <a:t>time-killer. </a:t>
+            </a:r>
+            <a:r>
+              <a:rPr lang="ru-RU" spc="-1" dirty="0" smtClean="0">
+                <a:solidFill>
+                  <a:srgbClr val="000000"/>
+                </a:solidFill>
+                <a:uFill>
+                  <a:solidFill>
+                    <a:srgbClr val="FFFFFF"/>
+                  </a:solidFill>
+                </a:uFill>
+                <a:latin typeface="Century Gothic"/>
+              </a:rPr>
+              <a:t>Оно создано решить проблему избытка времени</a:t>
             </a:r>
             <a:r>
               <a:rPr lang="ru-RU" sz="1800" b="0" strike="noStrike" spc="-1" dirty="0">
@@ -18878,219 +19368,124 @@
       </p:grpSpPr>
       <p:sp>
         <p:nvSpPr>
-          <p:cNvPr id="262" name="TextShape 1"/>
-          <p:cNvSpPr txBox="1"/>
-          <p:nvPr/>
-        </p:nvSpPr>
-        <p:spPr>
-          <a:xfrm>
-            <a:off x="1523880" y="334800"/>
-            <a:ext cx="9143640" cy="4922640"/>
-          </a:xfrm>
-          <a:prstGeom prst="rect">
-            <a:avLst/>
-          </a:prstGeom>
-          <a:noFill/>
-          <a:ln>
-            <a:noFill/>
-          </a:ln>
-        </p:spPr>
+          <p:cNvPr id="6" name="Подзаголовок 5"/>
+          <p:cNvSpPr>
+            <a:spLocks noGrp="1"/>
+          </p:cNvSpPr>
+          <p:nvPr>
+            <p:ph type="subTitle"/>
+          </p:nvPr>
+        </p:nvSpPr>
+        <p:spPr/>
         <p:txBody>
           <a:bodyPr/>
           <a:lstStyle/>
           <a:p>
-            <a:pPr>
-              <a:lnSpc>
-                <a:spcPct val="100000"/>
-              </a:lnSpc>
-            </a:pPr>
-            <a:endParaRPr lang="ru-RU" sz="3200" b="0" strike="noStrike" spc="-1" dirty="0" smtClean="0">
-              <a:solidFill>
-                <a:srgbClr val="000000"/>
-              </a:solidFill>
-              <a:uFill>
-                <a:solidFill>
-                  <a:srgbClr val="FFFFFF"/>
-                </a:solidFill>
-              </a:uFill>
-              <a:latin typeface="Arial"/>
-            </a:endParaRPr>
-          </a:p>
-          <a:p>
-            <a:pPr>
-              <a:lnSpc>
-                <a:spcPct val="100000"/>
-              </a:lnSpc>
-            </a:pPr>
-            <a:endParaRPr lang="ru-RU" sz="3200" spc="-1" dirty="0">
-              <a:solidFill>
-                <a:srgbClr val="000000"/>
-              </a:solidFill>
-              <a:uFill>
-                <a:solidFill>
-                  <a:srgbClr val="FFFFFF"/>
-                </a:solidFill>
-              </a:uFill>
-              <a:latin typeface="Arial"/>
-            </a:endParaRPr>
-          </a:p>
-          <a:p>
-            <a:pPr>
-              <a:lnSpc>
-                <a:spcPct val="100000"/>
-              </a:lnSpc>
-            </a:pPr>
-            <a:endParaRPr lang="ru-RU" sz="3200" b="0" strike="noStrike" spc="-1" dirty="0" smtClean="0">
-              <a:solidFill>
-                <a:srgbClr val="000000"/>
-              </a:solidFill>
-              <a:uFill>
-                <a:solidFill>
-                  <a:srgbClr val="FFFFFF"/>
-                </a:solidFill>
-              </a:uFill>
-              <a:latin typeface="Arial"/>
-            </a:endParaRPr>
-          </a:p>
-          <a:p>
-            <a:pPr>
-              <a:lnSpc>
-                <a:spcPct val="100000"/>
-              </a:lnSpc>
-            </a:pPr>
             <a:r>
-              <a:rPr lang="ru-RU" sz="6000" b="1" spc="-1" dirty="0" smtClean="0">
-                <a:solidFill>
-                  <a:srgbClr val="000000"/>
-                </a:solidFill>
-                <a:uFill>
-                  <a:solidFill>
-                    <a:srgbClr val="FFFFFF"/>
-                  </a:solidFill>
-                </a:uFill>
-                <a:latin typeface="Arial"/>
-              </a:rPr>
-              <a:t>Описание игры</a:t>
+              <a:rPr lang="ru-RU" dirty="0" smtClean="0"/>
+              <a:t>Приложение было создано в стиле </a:t>
             </a:r>
             <a:r>
-              <a:rPr lang="ru-RU" sz="6000" b="1" strike="noStrike" spc="-1" dirty="0" smtClean="0">
-                <a:solidFill>
-                  <a:srgbClr val="000000"/>
-                </a:solidFill>
-                <a:uFill>
-                  <a:solidFill>
-                    <a:srgbClr val="FFFFFF"/>
-                  </a:solidFill>
-                </a:uFill>
-                <a:latin typeface="Arial"/>
-              </a:rPr>
-              <a:t> </a:t>
+              <a:rPr lang="ru-RU" dirty="0" err="1" smtClean="0"/>
+              <a:t>объектно</a:t>
+            </a:r>
+            <a:r>
+              <a:rPr lang="ru-RU" dirty="0" smtClean="0"/>
+              <a:t> ориентированного программирования. Некоторые окна были созданы с помощью </a:t>
+            </a:r>
+            <a:r>
+              <a:rPr lang="en-US" dirty="0" err="1" smtClean="0"/>
+              <a:t>PyQT</a:t>
+            </a:r>
+            <a:r>
+              <a:rPr lang="ru-RU" dirty="0" smtClean="0"/>
+              <a:t> для удобства.</a:t>
             </a:r>
           </a:p>
           <a:p>
-            <a:pPr>
-              <a:lnSpc>
-                <a:spcPct val="100000"/>
-              </a:lnSpc>
-            </a:pPr>
             <a:r>
-              <a:rPr lang="ru-RU" sz="3200" spc="-1" dirty="0" smtClean="0">
-                <a:solidFill>
-                  <a:srgbClr val="000000"/>
-                </a:solidFill>
-                <a:uFill>
-                  <a:solidFill>
-                    <a:srgbClr val="FFFFFF"/>
-                  </a:solidFill>
-                </a:uFill>
-              </a:rPr>
-              <a:t>АЭРОХОККЕЙ </a:t>
+              <a:rPr lang="ru-RU" dirty="0" smtClean="0"/>
+              <a:t>С проекте присутствуют модульность и сторонняя библиотека </a:t>
             </a:r>
             <a:r>
-              <a:rPr lang="en-US" sz="3200" spc="-1" dirty="0">
-                <a:solidFill>
-                  <a:srgbClr val="000000"/>
-                </a:solidFill>
-                <a:uFill>
-                  <a:solidFill>
-                    <a:srgbClr val="FFFFFF"/>
-                  </a:solidFill>
-                </a:uFill>
-              </a:rPr>
-              <a:t>x </a:t>
+              <a:rPr lang="en-US" dirty="0" smtClean="0"/>
+              <a:t>arrow</a:t>
             </a:r>
             <a:r>
-              <a:rPr lang="ru-RU" sz="3200" spc="-1" dirty="0" smtClean="0">
-                <a:solidFill>
-                  <a:srgbClr val="000000"/>
-                </a:solidFill>
-                <a:uFill>
-                  <a:solidFill>
-                    <a:srgbClr val="FFFFFF"/>
-                  </a:solidFill>
-                </a:uFill>
-              </a:rPr>
-              <a:t>ПИН-ПОНГ</a:t>
+              <a:rPr lang="ru-RU" dirty="0" smtClean="0"/>
+              <a:t>. Она предоставляет возможность отслеживать время более проще и быстрее.</a:t>
+            </a:r>
+          </a:p>
+          <a:p>
+            <a:r>
+              <a:rPr lang="ru-RU" dirty="0" smtClean="0"/>
+              <a:t>Скриншот часов</a:t>
             </a:r>
             <a:r>
-              <a:rPr lang="en-US" sz="3200" spc="-1" dirty="0" smtClean="0">
-                <a:solidFill>
-                  <a:srgbClr val="000000"/>
-                </a:solidFill>
-                <a:uFill>
-                  <a:solidFill>
-                    <a:srgbClr val="FFFFFF"/>
-                  </a:solidFill>
-                </a:uFill>
-              </a:rPr>
+              <a:rPr lang="en-US" dirty="0" smtClean="0"/>
               <a:t>:</a:t>
             </a:r>
-            <a:endParaRPr lang="en-US" sz="3200" b="0" strike="noStrike" spc="-1" dirty="0" smtClean="0">
-              <a:solidFill>
-                <a:srgbClr val="000000"/>
-              </a:solidFill>
-              <a:uFill>
-                <a:solidFill>
-                  <a:srgbClr val="FFFFFF"/>
-                </a:solidFill>
-              </a:uFill>
-              <a:latin typeface="Arial"/>
-            </a:endParaRPr>
+            <a:endParaRPr lang="ru-RU" dirty="0"/>
           </a:p>
         </p:txBody>
       </p:sp>
+      <p:sp>
+        <p:nvSpPr>
+          <p:cNvPr id="4" name="Заголовок 3"/>
+          <p:cNvSpPr>
+            <a:spLocks noGrp="1"/>
+          </p:cNvSpPr>
+          <p:nvPr>
+            <p:ph type="title"/>
+          </p:nvPr>
+        </p:nvSpPr>
+        <p:spPr/>
+        <p:txBody>
+          <a:bodyPr/>
+          <a:lstStyle/>
+          <a:p>
+            <a:r>
+              <a:rPr lang="ru-RU" smtClean="0"/>
+              <a:t>Описание реализации</a:t>
+            </a:r>
+            <a:endParaRPr lang="ru-RU" dirty="0"/>
+          </a:p>
+        </p:txBody>
+      </p:sp>
+      <p:pic>
+        <p:nvPicPr>
+          <p:cNvPr id="7" name="Рисунок 6"/>
+          <p:cNvPicPr>
+            <a:picLocks noChangeAspect="1"/>
+          </p:cNvPicPr>
+          <p:nvPr/>
+        </p:nvPicPr>
+        <p:blipFill>
+          <a:blip r:embed="rId2"/>
+          <a:stretch>
+            <a:fillRect/>
+          </a:stretch>
+        </p:blipFill>
+        <p:spPr>
+          <a:xfrm>
+            <a:off x="6027037" y="5112913"/>
+            <a:ext cx="1174150" cy="542886"/>
+          </a:xfrm>
+          <a:prstGeom prst="rect">
+            <a:avLst/>
+          </a:prstGeom>
+        </p:spPr>
+      </p:pic>
     </p:spTree>
+    <p:extLst>
+      <p:ext uri="{BB962C8B-B14F-4D97-AF65-F5344CB8AC3E}">
+        <p14:creationId xmlns:p14="http://schemas.microsoft.com/office/powerpoint/2010/main" val="782474188"/>
+      </p:ext>
+    </p:extLst>
   </p:cSld>
   <p:clrMapOvr>
     <a:masterClrMapping/>
   </p:clrMapOvr>
-  <p:timing>
-    <p:tnLst>
-      <p:par>
-        <p:cTn id="1" dur="indefinite" restart="never" nodeType="tmRoot">
-          <p:childTnLst>
-            <p:seq>
-              <p:cTn id="2" nodeType="mainSeq"/>
-              <p:prevCondLst>
-                <p:cond evt="onPrev" delay="0">
-                  <p:tgtEl>
-                    <p:sldTgt/>
-                  </p:tgtEl>
-                </p:cond>
-              </p:prevCondLst>
-              <p:nextCondLst>
-                <p:cond evt="onNext" delay="0">
-                  <p:tgtEl>
-                    <p:sldTgt/>
-                  </p:tgtEl>
-                </p:cond>
-              </p:nextCondLst>
-            </p:seq>
-          </p:childTnLst>
-        </p:cTn>
-      </p:par>
-    </p:tnLst>
-  </p:timing>
 </p:sld>
 </file>
 
@@ -19113,14 +19508,14 @@
       </p:grpSpPr>
       <p:sp>
         <p:nvSpPr>
-          <p:cNvPr id="263" name="TextShape 1"/>
+          <p:cNvPr id="262" name="TextShape 1"/>
           <p:cNvSpPr txBox="1"/>
           <p:nvPr/>
         </p:nvSpPr>
         <p:spPr>
           <a:xfrm>
-            <a:off x="5512157" y="605305"/>
-            <a:ext cx="6144155" cy="0"/>
+            <a:off x="1523880" y="334800"/>
+            <a:ext cx="9143640" cy="4922640"/>
           </a:xfrm>
           <a:prstGeom prst="rect">
             <a:avLst/>
@@ -19131,7 +19526,7 @@
           </a:ln>
         </p:spPr>
         <p:txBody>
-          <a:bodyPr anchor="b"/>
+          <a:bodyPr/>
           <a:lstStyle/>
           <a:p>
             <a:pPr>
@@ -19139,22 +19534,148 @@
                 <a:spcPct val="100000"/>
               </a:lnSpc>
             </a:pPr>
+            <a:endParaRPr lang="ru-RU" sz="3200" b="0" strike="noStrike" spc="-1" dirty="0" smtClean="0">
+              <a:solidFill>
+                <a:srgbClr val="000000"/>
+              </a:solidFill>
+              <a:uFill>
+                <a:solidFill>
+                  <a:srgbClr val="FFFFFF"/>
+                </a:solidFill>
+              </a:uFill>
+              <a:latin typeface="Arial"/>
+            </a:endParaRPr>
+          </a:p>
+          <a:p>
+            <a:pPr>
+              <a:lnSpc>
+                <a:spcPct val="100000"/>
+              </a:lnSpc>
+            </a:pPr>
+            <a:endParaRPr lang="ru-RU" sz="3200" spc="-1" dirty="0">
+              <a:solidFill>
+                <a:srgbClr val="000000"/>
+              </a:solidFill>
+              <a:uFill>
+                <a:solidFill>
+                  <a:srgbClr val="FFFFFF"/>
+                </a:solidFill>
+              </a:uFill>
+              <a:latin typeface="Arial"/>
+            </a:endParaRPr>
+          </a:p>
+          <a:p>
+            <a:pPr>
+              <a:lnSpc>
+                <a:spcPct val="100000"/>
+              </a:lnSpc>
+            </a:pPr>
+            <a:endParaRPr lang="ru-RU" sz="3200" b="0" strike="noStrike" spc="-1" dirty="0" smtClean="0">
+              <a:solidFill>
+                <a:srgbClr val="000000"/>
+              </a:solidFill>
+              <a:uFill>
+                <a:solidFill>
+                  <a:srgbClr val="FFFFFF"/>
+                </a:solidFill>
+              </a:uFill>
+              <a:latin typeface="Arial"/>
+            </a:endParaRPr>
+          </a:p>
+          <a:p>
+            <a:pPr>
+              <a:lnSpc>
+                <a:spcPct val="100000"/>
+              </a:lnSpc>
+            </a:pPr>
             <a:r>
-              <a:rPr lang="ru-RU" sz="4000" b="0" strike="noStrike" spc="-1" dirty="0">
-                <a:solidFill>
-                  <a:srgbClr val="262626"/>
+              <a:rPr lang="ru-RU" sz="6000" b="1" spc="-1" dirty="0" smtClean="0">
+                <a:solidFill>
+                  <a:srgbClr val="000000"/>
                 </a:solidFill>
                 <a:uFill>
                   <a:solidFill>
                     <a:srgbClr val="FFFFFF"/>
                   </a:solidFill>
                 </a:uFill>
-                <a:latin typeface="Century Gothic"/>
+                <a:latin typeface="Arial"/>
               </a:rPr>
-              <a:t>
-</a:t>
+              <a:t>Описание игры</a:t>
             </a:r>
-            <a:endParaRPr lang="ru-RU" sz="1800" b="0" strike="noStrike" spc="-1" dirty="0">
+            <a:r>
+              <a:rPr lang="ru-RU" sz="6000" b="1" strike="noStrike" spc="-1" dirty="0" smtClean="0">
+                <a:solidFill>
+                  <a:srgbClr val="000000"/>
+                </a:solidFill>
+                <a:uFill>
+                  <a:solidFill>
+                    <a:srgbClr val="FFFFFF"/>
+                  </a:solidFill>
+                </a:uFill>
+                <a:latin typeface="Arial"/>
+              </a:rPr>
+              <a:t> </a:t>
+            </a:r>
+          </a:p>
+          <a:p>
+            <a:pPr>
+              <a:lnSpc>
+                <a:spcPct val="100000"/>
+              </a:lnSpc>
+            </a:pPr>
+            <a:r>
+              <a:rPr lang="ru-RU" sz="3200" spc="-1" dirty="0" smtClean="0">
+                <a:solidFill>
+                  <a:srgbClr val="000000"/>
+                </a:solidFill>
+                <a:uFill>
+                  <a:solidFill>
+                    <a:srgbClr val="FFFFFF"/>
+                  </a:solidFill>
+                </a:uFill>
+              </a:rPr>
+              <a:t>АЭРОХОККЕЙ </a:t>
+            </a:r>
+            <a:r>
+              <a:rPr lang="en-US" sz="3200" spc="-1" dirty="0">
+                <a:solidFill>
+                  <a:srgbClr val="000000"/>
+                </a:solidFill>
+                <a:uFill>
+                  <a:solidFill>
+                    <a:srgbClr val="FFFFFF"/>
+                  </a:solidFill>
+                </a:uFill>
+              </a:rPr>
+              <a:t>x </a:t>
+            </a:r>
+            <a:r>
+              <a:rPr lang="ru-RU" sz="3200" spc="-1" dirty="0" smtClean="0">
+                <a:solidFill>
+                  <a:srgbClr val="000000"/>
+                </a:solidFill>
+                <a:uFill>
+                  <a:solidFill>
+                    <a:srgbClr val="FFFFFF"/>
+                  </a:solidFill>
+                </a:uFill>
+              </a:rPr>
+              <a:t>ПИН-ПОНГ</a:t>
+            </a:r>
+            <a:r>
+              <a:rPr lang="en-US" sz="3200" spc="-1" dirty="0" smtClean="0">
+                <a:solidFill>
+                  <a:srgbClr val="000000"/>
+                </a:solidFill>
+                <a:uFill>
+                  <a:solidFill>
+                    <a:srgbClr val="FFFFFF"/>
+                  </a:solidFill>
+                </a:uFill>
+              </a:rPr>
+              <a:t>:</a:t>
+            </a:r>
+            <a:endParaRPr lang="en-US" sz="3200" b="0" strike="noStrike" spc="-1" dirty="0" smtClean="0">
               <a:solidFill>
                 <a:srgbClr val="000000"/>
               </a:solidFill>
@@ -19163,101 +19684,11 @@
                   <a:srgbClr val="FFFFFF"/>
                 </a:solidFill>
               </a:uFill>
-              <a:latin typeface="Century Gothic"/>
+              <a:latin typeface="Arial"/>
             </a:endParaRPr>
           </a:p>
         </p:txBody>
       </p:sp>
-      <p:sp>
-        <p:nvSpPr>
-          <p:cNvPr id="3" name="Заголовок 2"/>
-          <p:cNvSpPr>
-            <a:spLocks noGrp="1"/>
-          </p:cNvSpPr>
-          <p:nvPr>
-            <p:ph type="title"/>
-          </p:nvPr>
-        </p:nvSpPr>
-        <p:spPr>
-          <a:xfrm>
-            <a:off x="11217498" y="1670080"/>
-            <a:ext cx="287021" cy="234680"/>
-          </a:xfrm>
-        </p:spPr>
-        <p:txBody>
-          <a:bodyPr/>
-          <a:lstStyle/>
-          <a:p>
-            <a:r>
-              <a:rPr lang="en-US" dirty="0" smtClean="0"/>
-              <a:t> </a:t>
-            </a:r>
-            <a:endParaRPr lang="ru-RU" dirty="0"/>
-          </a:p>
-        </p:txBody>
-      </p:sp>
-      <p:sp>
-        <p:nvSpPr>
-          <p:cNvPr id="4" name="Подзаголовок 3"/>
-          <p:cNvSpPr>
-            <a:spLocks noGrp="1"/>
-          </p:cNvSpPr>
-          <p:nvPr>
-            <p:ph type="subTitle"/>
-          </p:nvPr>
-        </p:nvSpPr>
-        <p:spPr>
-          <a:xfrm>
-            <a:off x="5100034" y="1068946"/>
-            <a:ext cx="6404126" cy="4841894"/>
-          </a:xfrm>
-        </p:spPr>
-        <p:txBody>
-          <a:bodyPr/>
-          <a:lstStyle/>
-          <a:p>
-            <a:r>
-              <a:rPr lang="ru-RU" dirty="0" smtClean="0"/>
-              <a:t>При запуске перед вами высветится окно с выбором режима игры</a:t>
-            </a:r>
-            <a:r>
-              <a:rPr lang="en-US" dirty="0" smtClean="0"/>
-              <a:t>:</a:t>
-            </a:r>
-          </a:p>
-          <a:p>
-            <a:r>
-              <a:rPr lang="ru-RU" dirty="0" smtClean="0"/>
-              <a:t>Нажмите цифру для выбора нужного режима</a:t>
-            </a:r>
-            <a:endParaRPr lang="ru-RU" dirty="0"/>
-          </a:p>
-        </p:txBody>
-      </p:sp>
-      <p:pic>
-        <p:nvPicPr>
-          <p:cNvPr id="5" name="Рисунок 4"/>
-          <p:cNvPicPr>
-            <a:picLocks noChangeAspect="1"/>
-          </p:cNvPicPr>
-          <p:nvPr/>
-        </p:nvPicPr>
-        <p:blipFill>
-          <a:blip r:embed="rId2"/>
-          <a:stretch>
-            <a:fillRect/>
-          </a:stretch>
-        </p:blipFill>
-        <p:spPr>
-          <a:xfrm>
-            <a:off x="672055" y="1323049"/>
-            <a:ext cx="4155102" cy="4333688"/>
-          </a:xfrm>
-          <a:prstGeom prst="rect">
-            <a:avLst/>
-          </a:prstGeom>
-        </p:spPr>
-      </p:pic>
     </p:spTree>
   </p:cSld>
   <p:clrMapOvr>
@@ -19312,14 +19743,14 @@
       </p:grpSpPr>
       <p:sp>
         <p:nvSpPr>
-          <p:cNvPr id="264" name="TextShape 1"/>
+          <p:cNvPr id="263" name="TextShape 1"/>
           <p:cNvSpPr txBox="1"/>
           <p:nvPr/>
         </p:nvSpPr>
         <p:spPr>
           <a:xfrm>
-            <a:off x="773848" y="313560"/>
-            <a:ext cx="10515240" cy="1325160"/>
+            <a:off x="5512157" y="605305"/>
+            <a:ext cx="6144155" cy="0"/>
           </a:xfrm>
           <a:prstGeom prst="rect">
             <a:avLst/>
@@ -19330,7 +19761,7 @@
           </a:ln>
         </p:spPr>
         <p:txBody>
-          <a:bodyPr/>
+          <a:bodyPr anchor="b"/>
           <a:lstStyle/>
           <a:p>
             <a:pPr>
@@ -19339,9 +19770,9 @@
               </a:lnSpc>
             </a:pPr>
             <a:r>
-              <a:rPr lang="ru-RU" spc="-1" dirty="0" smtClean="0">
-                <a:solidFill>
-                  <a:srgbClr val="000000"/>
+              <a:rPr lang="ru-RU" sz="4000" b="0" strike="noStrike" spc="-1" dirty="0">
+                <a:solidFill>
+                  <a:srgbClr val="262626"/>
                 </a:solidFill>
                 <a:uFill>
                   <a:solidFill>
@@ -19350,126 +19781,8 @@
                 </a:uFill>
                 <a:latin typeface="Century Gothic"/>
               </a:rPr>
-              <a:t>При выборе </a:t>
-            </a:r>
-            <a:r>
-              <a:rPr lang="ru-RU" spc="-1" dirty="0" err="1" smtClean="0">
-                <a:solidFill>
-                  <a:srgbClr val="000000"/>
-                </a:solidFill>
-                <a:uFill>
-                  <a:solidFill>
-                    <a:srgbClr val="FFFFFF"/>
-                  </a:solidFill>
-                </a:uFill>
-                <a:latin typeface="Century Gothic"/>
-              </a:rPr>
-              <a:t>мультиплеера</a:t>
-            </a:r>
-            <a:r>
-              <a:rPr lang="en-US" spc="-1" dirty="0" smtClean="0">
-                <a:solidFill>
-                  <a:srgbClr val="000000"/>
-                </a:solidFill>
-                <a:uFill>
-                  <a:solidFill>
-                    <a:srgbClr val="FFFFFF"/>
-                  </a:solidFill>
-                </a:uFill>
-                <a:latin typeface="Century Gothic"/>
-              </a:rPr>
-              <a:t> </a:t>
-            </a:r>
-            <a:r>
-              <a:rPr lang="ru-RU" spc="-1" dirty="0" smtClean="0">
-                <a:solidFill>
-                  <a:srgbClr val="000000"/>
-                </a:solidFill>
-                <a:uFill>
-                  <a:solidFill>
-                    <a:srgbClr val="FFFFFF"/>
-                  </a:solidFill>
-                </a:uFill>
-                <a:latin typeface="Century Gothic"/>
-              </a:rPr>
-              <a:t>обе платформы будут двигаться.</a:t>
-            </a:r>
-          </a:p>
-          <a:p>
-            <a:pPr>
-              <a:lnSpc>
-                <a:spcPct val="100000"/>
-              </a:lnSpc>
-            </a:pPr>
-            <a:r>
-              <a:rPr lang="ru-RU" sz="1800" b="0" strike="noStrike" spc="-1" dirty="0" smtClean="0">
-                <a:solidFill>
-                  <a:srgbClr val="000000"/>
-                </a:solidFill>
-                <a:uFill>
-                  <a:solidFill>
-                    <a:srgbClr val="FFFFFF"/>
-                  </a:solidFill>
-                </a:uFill>
-                <a:latin typeface="Century Gothic"/>
-              </a:rPr>
-              <a:t>Используйте кнопки  </a:t>
-            </a:r>
-            <a:r>
-              <a:rPr lang="en-US" sz="1800" b="0" strike="noStrike" spc="-1" dirty="0" smtClean="0">
-                <a:solidFill>
-                  <a:srgbClr val="000000"/>
-                </a:solidFill>
-                <a:uFill>
-                  <a:solidFill>
-                    <a:srgbClr val="FFFFFF"/>
-                  </a:solidFill>
-                </a:uFill>
-                <a:latin typeface="Century Gothic"/>
-              </a:rPr>
-              <a:t>A</a:t>
-            </a:r>
-            <a:r>
-              <a:rPr lang="ru-RU" sz="1800" b="0" strike="noStrike" spc="-1" dirty="0" smtClean="0">
-                <a:solidFill>
-                  <a:srgbClr val="000000"/>
-                </a:solidFill>
-                <a:uFill>
-                  <a:solidFill>
-                    <a:srgbClr val="FFFFFF"/>
-                  </a:solidFill>
-                </a:uFill>
-                <a:latin typeface="Century Gothic"/>
-              </a:rPr>
-              <a:t>-</a:t>
-            </a:r>
-            <a:r>
-              <a:rPr lang="en-US" sz="1800" b="0" strike="noStrike" spc="-1" dirty="0" smtClean="0">
-                <a:solidFill>
-                  <a:srgbClr val="000000"/>
-                </a:solidFill>
-                <a:uFill>
-                  <a:solidFill>
-                    <a:srgbClr val="FFFFFF"/>
-                  </a:solidFill>
-                </a:uFill>
-                <a:latin typeface="Century Gothic"/>
-              </a:rPr>
-              <a:t>D </a:t>
-            </a:r>
-            <a:r>
-              <a:rPr lang="ru-RU" sz="1800" b="0" strike="noStrike" spc="-1" dirty="0" smtClean="0">
-                <a:solidFill>
-                  <a:srgbClr val="000000"/>
-                </a:solidFill>
-                <a:uFill>
-                  <a:solidFill>
-                    <a:srgbClr val="FFFFFF"/>
-                  </a:solidFill>
-                </a:uFill>
-                <a:latin typeface="Century Gothic"/>
-              </a:rPr>
-              <a:t>или стрелочки для перемещения платформ.</a:t>
+              <a:t>
+</a:t>
             </a:r>
             <a:endParaRPr lang="ru-RU" sz="1800" b="0" strike="noStrike" spc="-1" dirty="0">
               <a:solidFill>
@@ -19485,9 +19798,75 @@
           </a:p>
         </p:txBody>
       </p:sp>
+      <p:sp>
+        <p:nvSpPr>
+          <p:cNvPr id="3" name="Заголовок 2"/>
+          <p:cNvSpPr>
+            <a:spLocks noGrp="1"/>
+          </p:cNvSpPr>
+          <p:nvPr>
+            <p:ph type="title"/>
+          </p:nvPr>
+        </p:nvSpPr>
+        <p:spPr>
+          <a:xfrm>
+            <a:off x="11217498" y="1670080"/>
+            <a:ext cx="287021" cy="234680"/>
+          </a:xfrm>
+        </p:spPr>
+        <p:txBody>
+          <a:bodyPr/>
+          <a:lstStyle/>
+          <a:p>
+            <a:r>
+              <a:rPr lang="en-US" dirty="0" smtClean="0"/>
+              <a:t> </a:t>
+            </a:r>
+            <a:endParaRPr lang="ru-RU" dirty="0"/>
+          </a:p>
+        </p:txBody>
+      </p:sp>
+      <p:sp>
+        <p:nvSpPr>
+          <p:cNvPr id="4" name="Подзаголовок 3"/>
+          <p:cNvSpPr>
+            <a:spLocks noGrp="1"/>
+          </p:cNvSpPr>
+          <p:nvPr>
+            <p:ph type="subTitle"/>
+          </p:nvPr>
+        </p:nvSpPr>
+        <p:spPr>
+          <a:xfrm>
+            <a:off x="5100034" y="1068946"/>
+            <a:ext cx="6404126" cy="4841894"/>
+          </a:xfrm>
+        </p:spPr>
+        <p:txBody>
+          <a:bodyPr/>
+          <a:lstStyle/>
+          <a:p>
+            <a:r>
+              <a:rPr lang="ru-RU" dirty="0" smtClean="0"/>
+              <a:t>При запуске перед вами высветится окно с выбором режима игры</a:t>
+            </a:r>
+            <a:r>
+              <a:rPr lang="en-US" dirty="0" smtClean="0"/>
+              <a:t>:</a:t>
+            </a:r>
+          </a:p>
+          <a:p>
+            <a:r>
+              <a:rPr lang="ru-RU" dirty="0" smtClean="0"/>
+              <a:t>Нажмите цифру для выбора нужного режима</a:t>
+            </a:r>
+            <a:endParaRPr lang="ru-RU" dirty="0"/>
+          </a:p>
+        </p:txBody>
+      </p:sp>
       <p:pic>
         <p:nvPicPr>
-          <p:cNvPr id="2" name="Рисунок 1"/>
+          <p:cNvPr id="5" name="Рисунок 4"/>
           <p:cNvPicPr>
             <a:picLocks noChangeAspect="1"/>
           </p:cNvPicPr>
@@ -19501,8 +19880,8 @@
         </p:blipFill>
         <p:spPr>
           <a:xfrm>
-            <a:off x="773848" y="1222124"/>
-            <a:ext cx="5359081" cy="5635876"/>
+            <a:off x="672055" y="1323049"/>
+            <a:ext cx="4155102" cy="4333688"/>
           </a:xfrm>
           <a:prstGeom prst="rect">
             <a:avLst/>
@@ -19563,70 +19942,14 @@
       </p:grpSpPr>
       <p:sp>
         <p:nvSpPr>
-          <p:cNvPr id="266" name="TextShape 1"/>
+          <p:cNvPr id="264" name="TextShape 1"/>
           <p:cNvSpPr txBox="1"/>
           <p:nvPr/>
         </p:nvSpPr>
         <p:spPr>
           <a:xfrm>
-            <a:off x="1266444" y="0"/>
-            <a:ext cx="9143640" cy="952560"/>
-          </a:xfrm>
-          <a:prstGeom prst="rect">
-            <a:avLst/>
-          </a:prstGeom>
-          <a:noFill/>
-          <a:ln>
-            <a:noFill/>
-          </a:ln>
-        </p:spPr>
-        <p:txBody>
-          <a:bodyPr anchor="b"/>
-          <a:lstStyle/>
-          <a:p>
-            <a:pPr>
-              <a:lnSpc>
-                <a:spcPct val="100000"/>
-              </a:lnSpc>
-            </a:pPr>
-            <a:r>
-              <a:rPr lang="ru-RU" spc="-1" dirty="0" smtClean="0">
-                <a:solidFill>
-                  <a:srgbClr val="000000"/>
-                </a:solidFill>
-                <a:uFill>
-                  <a:solidFill>
-                    <a:srgbClr val="FFFFFF"/>
-                  </a:solidFill>
-                </a:uFill>
-                <a:latin typeface="Century Gothic"/>
-              </a:rPr>
-              <a:t>Настройки</a:t>
-            </a:r>
-            <a:endParaRPr lang="ru-RU" sz="1800" b="0" strike="noStrike" spc="-1" dirty="0">
-              <a:solidFill>
-                <a:srgbClr val="000000"/>
-              </a:solidFill>
-              <a:uFill>
-                <a:solidFill>
-                  <a:srgbClr val="FFFFFF"/>
-                </a:solidFill>
-              </a:uFill>
-              <a:latin typeface="Century Gothic"/>
-            </a:endParaRPr>
-          </a:p>
-        </p:txBody>
-      </p:sp>
-      <p:sp>
-        <p:nvSpPr>
-          <p:cNvPr id="267" name="TextShape 2"/>
-          <p:cNvSpPr txBox="1"/>
-          <p:nvPr/>
-        </p:nvSpPr>
-        <p:spPr>
-          <a:xfrm>
-            <a:off x="1459440" y="952920"/>
-            <a:ext cx="9143640" cy="862560"/>
+            <a:off x="773848" y="313560"/>
+            <a:ext cx="10515240" cy="1325160"/>
           </a:xfrm>
           <a:prstGeom prst="rect">
             <a:avLst/>
@@ -19646,7 +19969,7 @@
               </a:lnSpc>
             </a:pPr>
             <a:r>
-              <a:rPr lang="ru-RU" sz="3200" b="0" strike="noStrike" spc="-1" dirty="0" smtClean="0">
+              <a:rPr lang="ru-RU" spc="-1" dirty="0" smtClean="0">
                 <a:solidFill>
                   <a:srgbClr val="000000"/>
                 </a:solidFill>
@@ -19655,12 +19978,12 @@
                     <a:srgbClr val="FFFFFF"/>
                   </a:solidFill>
                 </a:uFill>
-                <a:latin typeface="Arial"/>
+                <a:latin typeface="Century Gothic"/>
               </a:rPr>
-              <a:t>Нажав на шестеренку вы можете настроить скорость </a:t>
+              <a:t>При выборе </a:t>
             </a:r>
             <a:r>
-              <a:rPr lang="ru-RU" sz="3200" b="0" strike="noStrike" spc="-1" dirty="0" err="1" smtClean="0">
+              <a:rPr lang="ru-RU" spc="-1" dirty="0" err="1" smtClean="0">
                 <a:solidFill>
                   <a:srgbClr val="000000"/>
                 </a:solidFill>
@@ -19669,12 +19992,12 @@
                     <a:srgbClr val="FFFFFF"/>
                   </a:solidFill>
                 </a:uFill>
-                <a:latin typeface="Arial"/>
+                <a:latin typeface="Century Gothic"/>
               </a:rPr>
-              <a:t>скорость</a:t>
+              <a:t>мультиплеера</a:t>
             </a:r>
             <a:r>
-              <a:rPr lang="ru-RU" sz="3200" b="0" strike="noStrike" spc="-1" dirty="0" smtClean="0">
+              <a:rPr lang="en-US" spc="-1" dirty="0" smtClean="0">
                 <a:solidFill>
                   <a:srgbClr val="000000"/>
                 </a:solidFill>
@@ -19683,12 +20006,12 @@
                     <a:srgbClr val="FFFFFF"/>
                   </a:solidFill>
                 </a:uFill>
-                <a:latin typeface="Arial"/>
+                <a:latin typeface="Century Gothic"/>
               </a:rPr>
-              <a:t> шарика и сложность бота есл</a:t>
+              <a:t> </a:t>
             </a:r>
             <a:r>
-              <a:rPr lang="ru-RU" sz="3200" spc="-1" dirty="0" smtClean="0">
+              <a:rPr lang="ru-RU" spc="-1" dirty="0" smtClean="0">
                 <a:solidFill>
                   <a:srgbClr val="000000"/>
                 </a:solidFill>
@@ -19697,11 +20020,88 @@
                     <a:srgbClr val="FFFFFF"/>
                   </a:solidFill>
                 </a:uFill>
-                <a:latin typeface="Arial"/>
+                <a:latin typeface="Century Gothic"/>
               </a:rPr>
-              <a:t>и он есть</a:t>
+              <a:t>обе платформы будут двигаться.</a:t>
             </a:r>
-            <a:endParaRPr lang="ru-RU" sz="3200" b="0" strike="noStrike" spc="-1" dirty="0">
+          </a:p>
+          <a:p>
+            <a:pPr>
+              <a:lnSpc>
+                <a:spcPct val="100000"/>
+              </a:lnSpc>
+            </a:pPr>
+            <a:r>
+              <a:rPr lang="ru-RU" sz="1800" b="0" strike="noStrike" spc="-1" dirty="0" smtClean="0">
+                <a:solidFill>
+                  <a:srgbClr val="000000"/>
+                </a:solidFill>
+                <a:uFill>
+                  <a:solidFill>
+                    <a:srgbClr val="FFFFFF"/>
+                  </a:solidFill>
+                </a:uFill>
+                <a:latin typeface="Century Gothic"/>
+              </a:rPr>
+              <a:t>Используйте кнопки  </a:t>
+            </a:r>
+            <a:r>
+              <a:rPr lang="en-US" sz="1800" b="0" strike="noStrike" spc="-1" dirty="0" smtClean="0">
+                <a:solidFill>
+                  <a:srgbClr val="000000"/>
+                </a:solidFill>
+                <a:uFill>
+                  <a:solidFill>
+                    <a:srgbClr val="FFFFFF"/>
+                  </a:solidFill>
+                </a:uFill>
+                <a:latin typeface="Century Gothic"/>
+              </a:rPr>
+              <a:t>A</a:t>
+            </a:r>
+            <a:r>
+              <a:rPr lang="ru-RU" sz="1800" b="0" strike="noStrike" spc="-1" dirty="0" smtClean="0">
+                <a:solidFill>
+                  <a:srgbClr val="000000"/>
+                </a:solidFill>
+                <a:uFill>
+                  <a:solidFill>
+                    <a:srgbClr val="FFFFFF"/>
+                  </a:solidFill>
+                </a:uFill>
+                <a:latin typeface="Century Gothic"/>
+              </a:rPr>
+              <a:t>-</a:t>
+            </a:r>
+            <a:r>
+              <a:rPr lang="en-US" sz="1800" b="0" strike="noStrike" spc="-1" dirty="0" smtClean="0">
+                <a:solidFill>
+                  <a:srgbClr val="000000"/>
+                </a:solidFill>
+                <a:uFill>
+                  <a:solidFill>
+                    <a:srgbClr val="FFFFFF"/>
+                  </a:solidFill>
+                </a:uFill>
+                <a:latin typeface="Century Gothic"/>
+              </a:rPr>
+              <a:t>D </a:t>
+            </a:r>
+            <a:r>
+              <a:rPr lang="ru-RU" sz="1800" b="0" strike="noStrike" spc="-1" dirty="0" smtClean="0">
+                <a:solidFill>
+                  <a:srgbClr val="000000"/>
+                </a:solidFill>
+                <a:uFill>
+                  <a:solidFill>
+                    <a:srgbClr val="FFFFFF"/>
+                  </a:solidFill>
+                </a:uFill>
+                <a:latin typeface="Century Gothic"/>
+              </a:rPr>
+              <a:t>или стрелочки для перемещения платформ.</a:t>
+            </a:r>
+            <a:endParaRPr lang="ru-RU" sz="1800" b="0" strike="noStrike" spc="-1" dirty="0">
               <a:solidFill>
                 <a:srgbClr val="000000"/>
               </a:solidFill>
@@ -19710,7 +20110,7 @@
                   <a:srgbClr val="FFFFFF"/>
                 </a:solidFill>
               </a:uFill>
-              <a:latin typeface="Arial"/>
+              <a:latin typeface="Century Gothic"/>
             </a:endParaRPr>
           </a:p>
         </p:txBody>
@@ -19731,8 +20131,8 @@
         </p:blipFill>
         <p:spPr>
           <a:xfrm>
-            <a:off x="3157804" y="2408348"/>
-            <a:ext cx="4820323" cy="4551349"/>
+            <a:off x="773848" y="1222124"/>
+            <a:ext cx="5359081" cy="5635876"/>
           </a:xfrm>
           <a:prstGeom prst="rect">
             <a:avLst/>
@@ -19793,14 +20193,14 @@
       </p:grpSpPr>
       <p:sp>
         <p:nvSpPr>
-          <p:cNvPr id="269" name="TextShape 1"/>
+          <p:cNvPr id="266" name="TextShape 1"/>
           <p:cNvSpPr txBox="1"/>
           <p:nvPr/>
         </p:nvSpPr>
         <p:spPr>
           <a:xfrm>
-            <a:off x="1858731" y="271080"/>
-            <a:ext cx="10221652" cy="720720"/>
+            <a:off x="1266444" y="0"/>
+            <a:ext cx="9143640" cy="952560"/>
           </a:xfrm>
           <a:prstGeom prst="rect">
             <a:avLst/>
@@ -19820,9 +20220,9 @@
               </a:lnSpc>
             </a:pPr>
             <a:r>
-              <a:rPr lang="ru-RU" sz="5400" spc="-1" dirty="0" smtClean="0">
-                <a:solidFill>
-                  <a:srgbClr val="262626"/>
+              <a:rPr lang="ru-RU" spc="-1" dirty="0" smtClean="0">
+                <a:solidFill>
+                  <a:srgbClr val="000000"/>
                 </a:solidFill>
                 <a:uFill>
                   <a:solidFill>
@@ -19831,7 +20231,7 @@
                 </a:uFill>
                 <a:latin typeface="Century Gothic"/>
               </a:rPr>
-              <a:t>Особенности управления</a:t>
+              <a:t>Настройки</a:t>
             </a:r>
             <a:endParaRPr lang="ru-RU" sz="1800" b="0" strike="noStrike" spc="-1" dirty="0">
               <a:solidFill>
@@ -19849,14 +20249,14 @@
       </p:sp>
       <p:sp>
         <p:nvSpPr>
-          <p:cNvPr id="270" name="TextShape 2"/>
+          <p:cNvPr id="267" name="TextShape 2"/>
           <p:cNvSpPr txBox="1"/>
           <p:nvPr/>
         </p:nvSpPr>
         <p:spPr>
           <a:xfrm>
-            <a:off x="1523880" y="991800"/>
-            <a:ext cx="9143640" cy="1300320"/>
+            <a:off x="1459440" y="952920"/>
+            <a:ext cx="9143640" cy="862560"/>
           </a:xfrm>
           <a:prstGeom prst="rect">
             <a:avLst/>
@@ -19887,10 +20287,10 @@
                 </a:uFill>
                 <a:latin typeface="Arial"/>
               </a:rPr>
-              <a:t>Для начала игры нажмите пробел и шарик поедет, нажа</a:t>
+              <a:t>Нажав на шестеренку вы можете настроить скорость </a:t>
             </a:r>
             <a:r>
-              <a:rPr lang="ru-RU" sz="3200" spc="-1" dirty="0" smtClean="0">
+              <a:rPr lang="ru-RU" sz="3200" b="0" strike="noStrike" spc="-1" dirty="0" err="1" smtClean="0">
                 <a:solidFill>
                   <a:srgbClr val="000000"/>
                 </a:solidFill>
@@ -19901,7 +20301,35 @@
                 </a:uFill>
                 <a:latin typeface="Arial"/>
               </a:rPr>
-              <a:t>в пробел второй раз шарик вернется на изначальное положение</a:t>
+              <a:t>скорость</a:t>
+            </a:r>
+            <a:r>
+              <a:rPr lang="ru-RU" sz="3200" b="0" strike="noStrike" spc="-1" dirty="0" smtClean="0">
+                <a:solidFill>
+                  <a:srgbClr val="000000"/>
+                </a:solidFill>
+                <a:uFill>
+                  <a:solidFill>
+                    <a:srgbClr val="FFFFFF"/>
+                  </a:solidFill>
+                </a:uFill>
+                <a:latin typeface="Arial"/>
+              </a:rPr>
+              <a:t> шарика и сложность бота есл</a:t>
+            </a:r>
+            <a:r>
+              <a:rPr lang="ru-RU" sz="3200" spc="-1" dirty="0" smtClean="0">
+                <a:solidFill>
+                  <a:srgbClr val="000000"/>
+                </a:solidFill>
+                <a:uFill>
+                  <a:solidFill>
+                    <a:srgbClr val="FFFFFF"/>
+                  </a:solidFill>
+                </a:uFill>
+                <a:latin typeface="Arial"/>
+              </a:rPr>
+              <a:t>и он есть</a:t>
             </a:r>
             <a:endParaRPr lang="ru-RU" sz="3200" b="0" strike="noStrike" spc="-1" dirty="0">
               <a:solidFill>
@@ -19917,6 +20345,30 @@
           </a:p>
         </p:txBody>
       </p:sp>
+      <p:pic>
+        <p:nvPicPr>
+          <p:cNvPr id="2" name="Рисунок 1"/>
+          <p:cNvPicPr>
+            <a:picLocks noChangeAspect="1"/>
+          </p:cNvPicPr>
+          <p:nvPr/>
+        </p:nvPicPr>
+        <p:blipFill>
+          <a:blip r:embed="rId2"/>
+          <a:stretch>
+            <a:fillRect/>
+          </a:stretch>
+        </p:blipFill>
+        <p:spPr>
+          <a:xfrm>
+            <a:off x="3157804" y="2408348"/>
+            <a:ext cx="4820323" cy="4551349"/>
+          </a:xfrm>
+          <a:prstGeom prst="rect">
+            <a:avLst/>
+          </a:prstGeom>
+        </p:spPr>
+      </p:pic>
     </p:spTree>
   </p:cSld>
   <p:clrMapOvr>
@@ -19971,14 +20423,70 @@
       </p:grpSpPr>
       <p:sp>
         <p:nvSpPr>
-          <p:cNvPr id="272" name="TextShape 1"/>
+          <p:cNvPr id="269" name="TextShape 1"/>
           <p:cNvSpPr txBox="1"/>
           <p:nvPr/>
         </p:nvSpPr>
         <p:spPr>
           <a:xfrm>
-            <a:off x="2593080" y="624240"/>
-            <a:ext cx="8911440" cy="1280520"/>
+            <a:off x="1858731" y="271080"/>
+            <a:ext cx="10221652" cy="720720"/>
+          </a:xfrm>
+          <a:prstGeom prst="rect">
+            <a:avLst/>
+          </a:prstGeom>
+          <a:noFill/>
+          <a:ln>
+            <a:noFill/>
+          </a:ln>
+        </p:spPr>
+        <p:txBody>
+          <a:bodyPr anchor="b"/>
+          <a:lstStyle/>
+          <a:p>
+            <a:pPr>
+              <a:lnSpc>
+                <a:spcPct val="100000"/>
+              </a:lnSpc>
+            </a:pPr>
+            <a:r>
+              <a:rPr lang="ru-RU" sz="5400" spc="-1" dirty="0" smtClean="0">
+                <a:solidFill>
+                  <a:srgbClr val="262626"/>
+                </a:solidFill>
+                <a:uFill>
+                  <a:solidFill>
+                    <a:srgbClr val="FFFFFF"/>
+                  </a:solidFill>
+                </a:uFill>
+                <a:latin typeface="Century Gothic"/>
+              </a:rPr>
+              <a:t>Особенности управления</a:t>
+            </a:r>
+            <a:endParaRPr lang="ru-RU" sz="1800" b="0" strike="noStrike" spc="-1" dirty="0">
+              <a:solidFill>
+                <a:srgbClr val="000000"/>
+              </a:solidFill>
+              <a:uFill>
+                <a:solidFill>
+                  <a:srgbClr val="FFFFFF"/>
+                </a:solidFill>
+              </a:uFill>
+              <a:latin typeface="Century Gothic"/>
+            </a:endParaRPr>
+          </a:p>
+        </p:txBody>
+      </p:sp>
+      <p:sp>
+        <p:nvSpPr>
+          <p:cNvPr id="270" name="TextShape 2"/>
+          <p:cNvSpPr txBox="1"/>
+          <p:nvPr/>
+        </p:nvSpPr>
+        <p:spPr>
+          <a:xfrm>
+            <a:off x="1523880" y="991800"/>
+            <a:ext cx="9143640" cy="1300320"/>
           </a:xfrm>
           <a:prstGeom prst="rect">
             <a:avLst/>
@@ -19998,216 +20506,47 @@
               </a:lnSpc>
             </a:pPr>
             <a:r>
-              <a:rPr lang="ru-RU" sz="3600" b="0" strike="noStrike" spc="-1">
-                <a:solidFill>
-                  <a:srgbClr val="262626"/>
+              <a:rPr lang="ru-RU" sz="3200" b="0" strike="noStrike" spc="-1" dirty="0" smtClean="0">
+                <a:solidFill>
+                  <a:srgbClr val="000000"/>
                 </a:solidFill>
                 <a:uFill>
                   <a:solidFill>
                     <a:srgbClr val="FFFFFF"/>
                   </a:solidFill>
                 </a:uFill>
-                <a:latin typeface="Century Gothic"/>
+                <a:latin typeface="Arial"/>
               </a:rPr>
-              <a:t>Раздел «Подробнее»</a:t>
+              <a:t>Для начала игры нажмите пробел и шарик поедет, нажа</a:t>
             </a:r>
-            <a:endParaRPr lang="ru-RU" sz="1800" b="0" strike="noStrike" spc="-1">
-              <a:solidFill>
-                <a:srgbClr val="000000"/>
-              </a:solidFill>
-              <a:uFill>
-                <a:solidFill>
-                  <a:srgbClr val="FFFFFF"/>
-                </a:solidFill>
-              </a:uFill>
-              <a:latin typeface="Century Gothic"/>
-            </a:endParaRPr>
-          </a:p>
-        </p:txBody>
-      </p:sp>
-      <p:sp>
-        <p:nvSpPr>
-          <p:cNvPr id="273" name="TextShape 2"/>
-          <p:cNvSpPr txBox="1"/>
-          <p:nvPr/>
-        </p:nvSpPr>
-        <p:spPr>
-          <a:xfrm>
-            <a:off x="989280" y="1826174"/>
-            <a:ext cx="10515240" cy="1278000"/>
-          </a:xfrm>
-          <a:prstGeom prst="rect">
-            <a:avLst/>
-          </a:prstGeom>
-          <a:noFill/>
-          <a:ln>
-            <a:noFill/>
-          </a:ln>
-        </p:spPr>
-        <p:txBody>
-          <a:bodyPr/>
-          <a:lstStyle/>
-          <a:p>
-            <a:pPr marL="343080" indent="-342720">
-              <a:lnSpc>
-                <a:spcPct val="100000"/>
-              </a:lnSpc>
-              <a:buClr>
-                <a:srgbClr val="A53010"/>
-              </a:buClr>
-              <a:buFont typeface="Wingdings 3" charset="2"/>
-              <a:buChar char=""/>
-            </a:pPr>
             <a:r>
-              <a:rPr lang="ru-RU" sz="1800" b="0" strike="noStrike" spc="-1" dirty="0" smtClean="0">
-                <a:solidFill>
-                  <a:srgbClr val="404040"/>
+              <a:rPr lang="ru-RU" sz="3200" spc="-1" dirty="0" smtClean="0">
+                <a:solidFill>
+                  <a:srgbClr val="000000"/>
                 </a:solidFill>
                 <a:uFill>
                   <a:solidFill>
                     <a:srgbClr val="FFFFFF"/>
                   </a:solidFill>
                 </a:uFill>
-                <a:latin typeface="Century Gothic"/>
+                <a:latin typeface="Arial"/>
               </a:rPr>
-              <a:t>Т.к. мой проект это не только </a:t>
+              <a:t>в пробел второй раз шарик вернется на изначальное положение</a:t>
             </a:r>
-            <a:r>
-              <a:rPr lang="ru-RU" sz="1800" b="0" strike="noStrike" spc="-1" dirty="0" err="1" smtClean="0">
-                <a:solidFill>
-                  <a:srgbClr val="404040"/>
-                </a:solidFill>
-                <a:uFill>
-                  <a:solidFill>
-                    <a:srgbClr val="FFFFFF"/>
-                  </a:solidFill>
-                </a:uFill>
-                <a:latin typeface="Century Gothic"/>
-              </a:rPr>
-              <a:t>пин</a:t>
-            </a:r>
-            <a:r>
-              <a:rPr lang="ru-RU" sz="1800" b="0" strike="noStrike" spc="-1" dirty="0" smtClean="0">
-                <a:solidFill>
-                  <a:srgbClr val="404040"/>
-                </a:solidFill>
-                <a:uFill>
-                  <a:solidFill>
-                    <a:srgbClr val="FFFFFF"/>
-                  </a:solidFill>
-                </a:uFill>
-                <a:latin typeface="Century Gothic"/>
-              </a:rPr>
-              <a:t> </a:t>
-            </a:r>
-            <a:r>
-              <a:rPr lang="ru-RU" sz="1800" b="0" strike="noStrike" spc="-1" dirty="0" err="1" smtClean="0">
-                <a:solidFill>
-                  <a:srgbClr val="404040"/>
-                </a:solidFill>
-                <a:uFill>
-                  <a:solidFill>
-                    <a:srgbClr val="FFFFFF"/>
-                  </a:solidFill>
-                </a:uFill>
-                <a:latin typeface="Century Gothic"/>
-              </a:rPr>
-              <a:t>понг</a:t>
-            </a:r>
-            <a:r>
-              <a:rPr lang="ru-RU" spc="-1" dirty="0">
-                <a:solidFill>
-                  <a:srgbClr val="404040"/>
-                </a:solidFill>
-                <a:uFill>
-                  <a:solidFill>
-                    <a:srgbClr val="FFFFFF"/>
-                  </a:solidFill>
-                </a:uFill>
-                <a:latin typeface="Century Gothic"/>
-              </a:rPr>
-              <a:t>,</a:t>
-            </a:r>
-            <a:r>
-              <a:rPr lang="ru-RU" sz="1800" b="0" strike="noStrike" spc="-1" dirty="0" smtClean="0">
-                <a:solidFill>
-                  <a:srgbClr val="404040"/>
-                </a:solidFill>
-                <a:uFill>
-                  <a:solidFill>
-                    <a:srgbClr val="FFFFFF"/>
-                  </a:solidFill>
-                </a:uFill>
-                <a:latin typeface="Century Gothic"/>
-              </a:rPr>
-              <a:t> но и </a:t>
-            </a:r>
-            <a:r>
-              <a:rPr lang="ru-RU" sz="1800" b="0" strike="noStrike" spc="-1" dirty="0" err="1" smtClean="0">
-                <a:solidFill>
-                  <a:srgbClr val="404040"/>
-                </a:solidFill>
-                <a:uFill>
-                  <a:solidFill>
-                    <a:srgbClr val="FFFFFF"/>
-                  </a:solidFill>
-                </a:uFill>
-                <a:latin typeface="Century Gothic"/>
-              </a:rPr>
-              <a:t>аэрохоккей</a:t>
-            </a:r>
-            <a:r>
-              <a:rPr lang="ru-RU" sz="1800" b="0" strike="noStrike" spc="-1" dirty="0" smtClean="0">
-                <a:solidFill>
-                  <a:srgbClr val="404040"/>
-                </a:solidFill>
-                <a:uFill>
-                  <a:solidFill>
-                    <a:srgbClr val="FFFFFF"/>
-                  </a:solidFill>
-                </a:uFill>
-                <a:latin typeface="Century Gothic"/>
-              </a:rPr>
-              <a:t>, то можно шайбу останавливать платформой как и в реальной жизни. Нечестно, но реалистично. </a:t>
-            </a:r>
-            <a:endParaRPr lang="ru-RU" sz="1800" b="0" strike="noStrike" spc="-1" dirty="0">
+            <a:endParaRPr lang="ru-RU" sz="3200" b="0" strike="noStrike" spc="-1" dirty="0">
               <a:solidFill>
-                <a:srgbClr val="404040"/>
+                <a:srgbClr val="000000"/>
               </a:solidFill>
               <a:uFill>
                 <a:solidFill>
                   <a:srgbClr val="FFFFFF"/>
                 </a:solidFill>
               </a:uFill>
-              <a:latin typeface="Century Gothic"/>
+              <a:latin typeface="Arial"/>
             </a:endParaRPr>
           </a:p>
         </p:txBody>
       </p:sp>
-      <p:pic>
-        <p:nvPicPr>
-          <p:cNvPr id="2" name="Рисунок 1"/>
-          <p:cNvPicPr>
-            <a:picLocks noChangeAspect="1"/>
-          </p:cNvPicPr>
-          <p:nvPr/>
-        </p:nvPicPr>
-        <p:blipFill>
-          <a:blip r:embed="rId2"/>
-          <a:stretch>
-            <a:fillRect/>
-          </a:stretch>
-        </p:blipFill>
-        <p:spPr>
-          <a:xfrm>
-            <a:off x="1354735" y="3657601"/>
-            <a:ext cx="5033186" cy="2421228"/>
-          </a:xfrm>
-          <a:prstGeom prst="rect">
-            <a:avLst/>
-          </a:prstGeom>
-        </p:spPr>
-      </p:pic>
     </p:spTree>
   </p:cSld>
   <p:clrMapOvr>
@@ -20262,13 +20601,13 @@
       </p:grpSpPr>
       <p:sp>
         <p:nvSpPr>
-          <p:cNvPr id="275" name="TextShape 1"/>
+          <p:cNvPr id="272" name="TextShape 1"/>
           <p:cNvSpPr txBox="1"/>
           <p:nvPr/>
         </p:nvSpPr>
         <p:spPr>
           <a:xfrm>
-            <a:off x="2103683" y="545040"/>
+            <a:off x="2593080" y="624240"/>
             <a:ext cx="8911440" cy="1280520"/>
           </a:xfrm>
           <a:prstGeom prst="rect">
@@ -20289,7 +20628,7 @@
               </a:lnSpc>
             </a:pPr>
             <a:r>
-              <a:rPr lang="ru-RU" sz="3600" spc="-1" dirty="0" smtClean="0">
+              <a:rPr lang="ru-RU" sz="3600" b="0" strike="noStrike" spc="-1">
                 <a:solidFill>
                   <a:srgbClr val="262626"/>
                 </a:solidFill>
@@ -20300,9 +20639,9 @@
                 </a:uFill>
                 <a:latin typeface="Century Gothic"/>
               </a:rPr>
-              <a:t>Музыкальное оформление</a:t>
+              <a:t>Раздел «Подробнее»</a:t>
             </a:r>
-            <a:endParaRPr lang="ru-RU" sz="1800" b="0" strike="noStrike" spc="-1" dirty="0">
+            <a:endParaRPr lang="ru-RU" sz="1800" b="0" strike="noStrike" spc="-1">
               <a:solidFill>
                 <a:srgbClr val="000000"/>
               </a:solidFill>
@@ -20318,14 +20657,14 @@
       </p:sp>
       <p:sp>
         <p:nvSpPr>
-          <p:cNvPr id="276" name="TextShape 2"/>
+          <p:cNvPr id="273" name="TextShape 2"/>
           <p:cNvSpPr txBox="1"/>
           <p:nvPr/>
         </p:nvSpPr>
         <p:spPr>
           <a:xfrm>
-            <a:off x="838080" y="1825560"/>
-            <a:ext cx="10515240" cy="955800"/>
+            <a:off x="989280" y="1826174"/>
+            <a:ext cx="10515240" cy="1278000"/>
           </a:xfrm>
           <a:prstGeom prst="rect">
             <a:avLst/>
@@ -20361,10 +20700,10 @@
                 </a:uFill>
                 <a:latin typeface="Century Gothic"/>
               </a:rPr>
-              <a:t>В игре присутствует музыкальное оформление под трек </a:t>
+              <a:t>Т.к. мой проект это не только </a:t>
             </a:r>
             <a:r>
-              <a:rPr lang="en-US" sz="1800" b="0" strike="noStrike" spc="-1" dirty="0" smtClean="0">
+              <a:rPr lang="ru-RU" sz="1800" b="0" strike="noStrike" spc="-1" dirty="0" err="1" smtClean="0">
                 <a:solidFill>
                   <a:srgbClr val="404040"/>
                 </a:solidFill>
@@ -20375,10 +20714,10 @@
                 </a:uFill>
                 <a:latin typeface="Century Gothic"/>
               </a:rPr>
-              <a:t>LXST CX</a:t>
+              <a:t>пин</a:t>
             </a:r>
             <a:r>
-              <a:rPr lang="en-US" spc="-1" dirty="0" smtClean="0">
+              <a:rPr lang="ru-RU" sz="1800" b="0" strike="noStrike" spc="-1" dirty="0" smtClean="0">
                 <a:solidFill>
                   <a:srgbClr val="404040"/>
                 </a:solidFill>
@@ -20389,7 +20728,77 @@
                 </a:uFill>
                 <a:latin typeface="Century Gothic"/>
               </a:rPr>
-              <a:t>NTURY - EVOLUTION</a:t>
+              <a:t> </a:t>
+            </a:r>
+            <a:r>
+              <a:rPr lang="ru-RU" sz="1800" b="0" strike="noStrike" spc="-1" dirty="0" err="1" smtClean="0">
+                <a:solidFill>
+                  <a:srgbClr val="404040"/>
+                </a:solidFill>
+                <a:uFill>
+                  <a:solidFill>
+                    <a:srgbClr val="FFFFFF"/>
+                  </a:solidFill>
+                </a:uFill>
+                <a:latin typeface="Century Gothic"/>
+              </a:rPr>
+              <a:t>понг</a:t>
+            </a:r>
+            <a:r>
+              <a:rPr lang="ru-RU" spc="-1" dirty="0">
+                <a:solidFill>
+                  <a:srgbClr val="404040"/>
+                </a:solidFill>
+                <a:uFill>
+                  <a:solidFill>
+                    <a:srgbClr val="FFFFFF"/>
+                  </a:solidFill>
+                </a:uFill>
+                <a:latin typeface="Century Gothic"/>
+              </a:rPr>
+              <a:t>,</a:t>
+            </a:r>
+            <a:r>
+              <a:rPr lang="ru-RU" sz="1800" b="0" strike="noStrike" spc="-1" dirty="0" smtClean="0">
+                <a:solidFill>
+                  <a:srgbClr val="404040"/>
+                </a:solidFill>
+                <a:uFill>
+                  <a:solidFill>
+                    <a:srgbClr val="FFFFFF"/>
+                  </a:solidFill>
+                </a:uFill>
+                <a:latin typeface="Century Gothic"/>
+              </a:rPr>
+              <a:t> но и </a:t>
+            </a:r>
+            <a:r>
+              <a:rPr lang="ru-RU" sz="1800" b="0" strike="noStrike" spc="-1" dirty="0" err="1" smtClean="0">
+                <a:solidFill>
+                  <a:srgbClr val="404040"/>
+                </a:solidFill>
+                <a:uFill>
+                  <a:solidFill>
+                    <a:srgbClr val="FFFFFF"/>
+                  </a:solidFill>
+                </a:uFill>
+                <a:latin typeface="Century Gothic"/>
+              </a:rPr>
+              <a:t>аэрохоккей</a:t>
+            </a:r>
+            <a:r>
+              <a:rPr lang="ru-RU" sz="1800" b="0" strike="noStrike" spc="-1" dirty="0" smtClean="0">
+                <a:solidFill>
+                  <a:srgbClr val="404040"/>
+                </a:solidFill>
+                <a:uFill>
+                  <a:solidFill>
+                    <a:srgbClr val="FFFFFF"/>
+                  </a:solidFill>
+                </a:uFill>
+                <a:latin typeface="Century Gothic"/>
+              </a:rPr>
+              <a:t>, то можно шайбу останавливать платформой как и в реальной жизни. Нечестно, но реалистично. </a:t>
             </a:r>
             <a:endParaRPr lang="ru-RU" sz="1800" b="0" strike="noStrike" spc="-1" dirty="0">
               <a:solidFill>
@@ -20407,125 +20816,26 @@
       </p:sp>
       <p:pic>
         <p:nvPicPr>
-          <p:cNvPr id="1027" name="Picture 3" descr="Как изменить звуки в Windows 10 | Будни технической поддержки"/>
+          <p:cNvPr id="2" name="Рисунок 1"/>
           <p:cNvPicPr>
-            <a:picLocks noChangeAspect="1" noChangeArrowheads="1"/>
+            <a:picLocks noChangeAspect="1"/>
           </p:cNvPicPr>
           <p:nvPr/>
         </p:nvPicPr>
         <p:blipFill>
-          <a:blip r:embed="rId2" cstate="print">
-            <a:extLst>
-              <a:ext uri="{28A0092B-C50C-407E-A947-70E740481C1C}">
-                <a14:useLocalDpi xmlns:a14="http://schemas.microsoft.com/office/drawing/2010/main" val="0"/>
-              </a:ext>
-            </a:extLst>
-          </a:blip>
-          <a:srcRect/>
+          <a:blip r:embed="rId2"/>
           <a:stretch>
             <a:fillRect/>
           </a:stretch>
         </p:blipFill>
-        <p:spPr bwMode="auto">
-          <a:xfrm>
-            <a:off x="848124" y="3106079"/>
-            <a:ext cx="2015447" cy="1929559"/>
+        <p:spPr>
+          <a:xfrm>
+            <a:off x="1354735" y="3657601"/>
+            <a:ext cx="5033186" cy="2421228"/>
           </a:xfrm>
           <a:prstGeom prst="rect">
             <a:avLst/>
           </a:prstGeom>
-          <a:noFill/>
-          <a:extLst>
-            <a:ext uri="{909E8E84-426E-40DD-AFC4-6F175D3DCCD1}">
-              <a14:hiddenFill xmlns:a14="http://schemas.microsoft.com/office/drawing/2010/main">
-                <a:solidFill>
-                  <a:srgbClr val="FFFFFF"/>
-                </a:solidFill>
-              </a14:hiddenFill>
-            </a:ext>
-          </a:extLst>
-        </p:spPr>
-      </p:pic>
-      <p:pic>
-        <p:nvPicPr>
-          <p:cNvPr id="1029" name="Picture 5" descr="Как изменить звуки в Windows 10 | Будни технической поддержки"/>
-          <p:cNvPicPr>
-            <a:picLocks noChangeAspect="1" noChangeArrowheads="1"/>
-          </p:cNvPicPr>
-          <p:nvPr/>
-        </p:nvPicPr>
-        <p:blipFill>
-          <a:blip r:embed="rId2" cstate="print">
-            <a:extLst>
-              <a:ext uri="{28A0092B-C50C-407E-A947-70E740481C1C}">
-                <a14:useLocalDpi xmlns:a14="http://schemas.microsoft.com/office/drawing/2010/main" val="0"/>
-              </a:ext>
-            </a:extLst>
-          </a:blip>
-          <a:srcRect/>
-          <a:stretch>
-            <a:fillRect/>
-          </a:stretch>
-        </p:blipFill>
-        <p:spPr bwMode="auto">
-          <a:xfrm rot="10800000">
-            <a:off x="9350008" y="3348963"/>
-            <a:ext cx="2248900" cy="1686675"/>
-          </a:xfrm>
-          <a:prstGeom prst="rect">
-            <a:avLst/>
-          </a:prstGeom>
-          <a:noFill/>
-          <a:extLst>
-            <a:ext uri="{909E8E84-426E-40DD-AFC4-6F175D3DCCD1}">
-              <a14:hiddenFill xmlns:a14="http://schemas.microsoft.com/office/drawing/2010/main">
-                <a:solidFill>
-                  <a:srgbClr val="FFFFFF"/>
-                </a:solidFill>
-              </a14:hiddenFill>
-            </a:ext>
-          </a:extLst>
-        </p:spPr>
-      </p:pic>
-      <p:pic>
-        <p:nvPicPr>
-          <p:cNvPr id="1031" name="Picture 7" descr="Громкость 100% - парень выкручивает звук на полную"/>
-          <p:cNvPicPr>
-            <a:picLocks noChangeAspect="1" noChangeArrowheads="1"/>
-          </p:cNvPicPr>
-          <p:nvPr/>
-        </p:nvPicPr>
-        <p:blipFill>
-          <a:blip r:embed="rId3">
-            <a:extLst>
-              <a:ext uri="{28A0092B-C50C-407E-A947-70E740481C1C}">
-                <a14:useLocalDpi xmlns:a14="http://schemas.microsoft.com/office/drawing/2010/main" val="0"/>
-              </a:ext>
-            </a:extLst>
-          </a:blip>
-          <a:srcRect/>
-          <a:stretch>
-            <a:fillRect/>
-          </a:stretch>
-        </p:blipFill>
-        <p:spPr bwMode="auto">
-          <a:xfrm>
-            <a:off x="3392884" y="2781360"/>
-            <a:ext cx="5753319" cy="3236243"/>
-          </a:xfrm>
-          <a:prstGeom prst="rect">
-            <a:avLst/>
-          </a:prstGeom>
-          <a:noFill/>
-          <a:extLst>
-            <a:ext uri="{909E8E84-426E-40DD-AFC4-6F175D3DCCD1}">
-              <a14:hiddenFill xmlns:a14="http://schemas.microsoft.com/office/drawing/2010/main">
-                <a:solidFill>
-                  <a:srgbClr val="FFFFFF"/>
-                </a:solidFill>
-              </a14:hiddenFill>
-            </a:ext>
-          </a:extLst>
         </p:spPr>
       </p:pic>
     </p:spTree>

--- a/Представление.pptx
+++ b/Представление.pptx
@@ -19183,21 +19183,7 @@
                 </a:uFill>
                 <a:latin typeface="Century Gothic"/>
               </a:rPr>
-              <a:t>изменять скорость мячика и выбором нескольких режимов игры</a:t>
-            </a:r>
-            <a:r>
-              <a:rPr lang="ru-RU" sz="1800" b="0" strike="noStrike" spc="-1" dirty="0" smtClean="0">
-                <a:solidFill>
-                  <a:srgbClr val="000000"/>
-                </a:solidFill>
-                <a:uFill>
-                  <a:solidFill>
-                    <a:srgbClr val="FFFFFF"/>
-                  </a:solidFill>
-                </a:uFill>
-                <a:latin typeface="Century Gothic"/>
-              </a:rPr>
-              <a:t>.</a:t>
+              <a:t>изменять скорость мячика и выбором нескольких режимов игры.</a:t>
             </a:r>
             <a:endParaRPr lang="en-US" sz="1800" b="0" strike="noStrike" spc="-1" dirty="0" smtClean="0">
               <a:solidFill>
@@ -19376,49 +19362,78 @@
             <p:ph type="subTitle"/>
           </p:nvPr>
         </p:nvSpPr>
-        <p:spPr/>
+        <p:spPr>
+          <a:xfrm>
+            <a:off x="2967548" y="3021874"/>
+            <a:ext cx="8911440" cy="2244395"/>
+          </a:xfrm>
+        </p:spPr>
         <p:txBody>
           <a:bodyPr/>
           <a:lstStyle/>
           <a:p>
             <a:r>
-              <a:rPr lang="ru-RU" dirty="0" smtClean="0"/>
+              <a:rPr lang="ru-RU" sz="2000" dirty="0" smtClean="0"/>
               <a:t>Приложение было создано в стиле </a:t>
             </a:r>
             <a:r>
-              <a:rPr lang="ru-RU" dirty="0" err="1" smtClean="0"/>
+              <a:rPr lang="ru-RU" sz="2000" dirty="0" err="1" smtClean="0"/>
               <a:t>объектно</a:t>
             </a:r>
             <a:r>
-              <a:rPr lang="ru-RU" dirty="0" smtClean="0"/>
+              <a:rPr lang="ru-RU" sz="2000" dirty="0" smtClean="0"/>
               <a:t> ориентированного программирования. Некоторые окна были созданы с помощью </a:t>
             </a:r>
             <a:r>
-              <a:rPr lang="en-US" dirty="0" err="1" smtClean="0"/>
+              <a:rPr lang="en-US" sz="2000" dirty="0" err="1" smtClean="0"/>
               <a:t>PyQT</a:t>
             </a:r>
             <a:r>
-              <a:rPr lang="ru-RU" dirty="0" smtClean="0"/>
+              <a:rPr lang="ru-RU" sz="2000" dirty="0" smtClean="0"/>
               <a:t> для удобства.</a:t>
             </a:r>
           </a:p>
           <a:p>
             <a:r>
-              <a:rPr lang="ru-RU" dirty="0" smtClean="0"/>
-              <a:t>С проекте присутствуют модульность и сторонняя библиотека </a:t>
+              <a:rPr lang="ru-RU" sz="2000" dirty="0" smtClean="0"/>
+              <a:t>С проекте присутствуют </a:t>
             </a:r>
             <a:r>
-              <a:rPr lang="en-US" dirty="0" smtClean="0"/>
+              <a:rPr lang="ru-RU" sz="2000" dirty="0" smtClean="0"/>
+              <a:t>модульность</a:t>
+            </a:r>
+            <a:r>
+              <a:rPr lang="ru-RU" sz="2000" dirty="0" smtClean="0"/>
+              <a:t>, работа с файлами</a:t>
+            </a:r>
+            <a:r>
+              <a:rPr lang="ru-RU" sz="2000" dirty="0" smtClean="0"/>
+              <a:t> </a:t>
+            </a:r>
+            <a:r>
+              <a:rPr lang="ru-RU" sz="2000" dirty="0" smtClean="0"/>
+              <a:t>и сторонняя библиотека </a:t>
+            </a:r>
+            <a:r>
+              <a:rPr lang="en-US" sz="2000" dirty="0" smtClean="0"/>
               <a:t>arrow</a:t>
             </a:r>
             <a:r>
-              <a:rPr lang="ru-RU" dirty="0" smtClean="0"/>
-              <a:t>. Она предоставляет возможность отслеживать время более проще и быстрее.</a:t>
+              <a:rPr lang="ru-RU" sz="2000" smtClean="0"/>
+              <a:t>, которая </a:t>
+            </a:r>
+            <a:r>
+              <a:rPr lang="ru-RU" sz="2000" smtClean="0"/>
+              <a:t>предоставляет </a:t>
+            </a:r>
+            <a:r>
+              <a:rPr lang="ru-RU" sz="2000" dirty="0" smtClean="0"/>
+              <a:t>возможность отслеживать время более проще и быстрее.</a:t>
             </a:r>
           </a:p>
           <a:p>
             <a:r>
-              <a:rPr lang="ru-RU" dirty="0" smtClean="0"/>
+              <a:rPr lang="ru-RU" sz="2000" dirty="0" smtClean="0"/>
               <a:t>Скриншот часов</a:t>
             </a:r>
             <a:r>
@@ -19439,13 +19454,18 @@
             <p:ph type="title"/>
           </p:nvPr>
         </p:nvSpPr>
-        <p:spPr/>
+        <p:spPr>
+          <a:xfrm>
+            <a:off x="6540136" y="478971"/>
+            <a:ext cx="4964383" cy="1425789"/>
+          </a:xfrm>
+        </p:spPr>
         <p:txBody>
           <a:bodyPr/>
           <a:lstStyle/>
           <a:p>
             <a:r>
-              <a:rPr lang="ru-RU" smtClean="0"/>
+              <a:rPr lang="ru-RU" dirty="0" smtClean="0"/>
               <a:t>Описание реализации</a:t>
             </a:r>
             <a:endParaRPr lang="ru-RU" dirty="0"/>

--- a/Представление.pptx
+++ b/Представление.pptx
@@ -19,6 +19,8 @@
     <p:sldId id="263" r:id="rId13"/>
     <p:sldId id="264" r:id="rId14"/>
     <p:sldId id="265" r:id="rId15"/>
+    <p:sldId id="267" r:id="rId16"/>
+    <p:sldId id="268" r:id="rId17"/>
   </p:sldIdLst>
   <p:sldSz cx="12192000" cy="6858000"/>
   <p:notesSz cx="7559675" cy="10691813"/>
@@ -18904,6 +18906,148 @@
 </p:sld>
 </file>
 
+<file path=ppt/slides/slide12.xml><?xml version="1.0" encoding="utf-8"?>
+<p:sld xmlns:a="http://schemas.openxmlformats.org/drawingml/2006/main" xmlns:r="http://schemas.openxmlformats.org/officeDocument/2006/relationships" xmlns:p="http://schemas.openxmlformats.org/presentationml/2006/main">
+  <p:cSld>
+    <p:spTree>
+      <p:nvGrpSpPr>
+        <p:cNvPr id="1" name=""/>
+        <p:cNvGrpSpPr/>
+        <p:nvPr/>
+      </p:nvGrpSpPr>
+      <p:grpSpPr>
+        <a:xfrm>
+          <a:off x="0" y="0"/>
+          <a:ext cx="0" cy="0"/>
+          <a:chOff x="0" y="0"/>
+          <a:chExt cx="0" cy="0"/>
+        </a:xfrm>
+      </p:grpSpPr>
+    </p:spTree>
+    <p:extLst>
+      <p:ext uri="{BB962C8B-B14F-4D97-AF65-F5344CB8AC3E}">
+        <p14:creationId xmlns:p14="http://schemas.microsoft.com/office/powerpoint/2010/main" val="3652595397"/>
+      </p:ext>
+    </p:extLst>
+  </p:cSld>
+  <p:clrMapOvr>
+    <a:masterClrMapping/>
+  </p:clrMapOvr>
+</p:sld>
+</file>
+
+<file path=ppt/slides/slide13.xml><?xml version="1.0" encoding="utf-8"?>
+<p:sld xmlns:a="http://schemas.openxmlformats.org/drawingml/2006/main" xmlns:r="http://schemas.openxmlformats.org/officeDocument/2006/relationships" xmlns:p="http://schemas.openxmlformats.org/presentationml/2006/main">
+  <p:cSld>
+    <p:spTree>
+      <p:nvGrpSpPr>
+        <p:cNvPr id="1" name=""/>
+        <p:cNvGrpSpPr/>
+        <p:nvPr/>
+      </p:nvGrpSpPr>
+      <p:grpSpPr>
+        <a:xfrm>
+          <a:off x="0" y="0"/>
+          <a:ext cx="0" cy="0"/>
+          <a:chOff x="0" y="0"/>
+          <a:chExt cx="0" cy="0"/>
+        </a:xfrm>
+      </p:grpSpPr>
+      <p:sp>
+        <p:nvSpPr>
+          <p:cNvPr id="2" name="Заголовок 1"/>
+          <p:cNvSpPr>
+            <a:spLocks noGrp="1"/>
+          </p:cNvSpPr>
+          <p:nvPr>
+            <p:ph type="title"/>
+          </p:nvPr>
+        </p:nvSpPr>
+        <p:spPr/>
+        <p:txBody>
+          <a:bodyPr/>
+          <a:lstStyle/>
+          <a:p>
+            <a:r>
+              <a:rPr lang="ru-RU" dirty="0" smtClean="0"/>
+              <a:t>Вывод</a:t>
+            </a:r>
+            <a:endParaRPr lang="ru-RU" dirty="0"/>
+          </a:p>
+        </p:txBody>
+      </p:sp>
+      <p:sp>
+        <p:nvSpPr>
+          <p:cNvPr id="3" name="Подзаголовок 2"/>
+          <p:cNvSpPr>
+            <a:spLocks noGrp="1"/>
+          </p:cNvSpPr>
+          <p:nvPr>
+            <p:ph type="subTitle"/>
+          </p:nvPr>
+        </p:nvSpPr>
+        <p:spPr>
+          <a:xfrm>
+            <a:off x="2484617" y="2490771"/>
+            <a:ext cx="8915040" cy="3777120"/>
+          </a:xfrm>
+        </p:spPr>
+        <p:txBody>
+          <a:bodyPr/>
+          <a:lstStyle/>
+          <a:p>
+            <a:r>
+              <a:rPr lang="ru-RU" sz="2400" dirty="0" smtClean="0"/>
+              <a:t>Я создал с помощью </a:t>
+            </a:r>
+            <a:r>
+              <a:rPr lang="en-US" sz="2400" dirty="0" err="1" smtClean="0"/>
+              <a:t>pygame</a:t>
+            </a:r>
+            <a:r>
+              <a:rPr lang="en-US" sz="2400" dirty="0" smtClean="0"/>
+              <a:t> </a:t>
+            </a:r>
+            <a:r>
+              <a:rPr lang="ru-RU" sz="2400" dirty="0" smtClean="0"/>
+              <a:t>игру, которая понравилась моим знакомым.</a:t>
+            </a:r>
+          </a:p>
+          <a:p>
+            <a:r>
+              <a:rPr lang="ru-RU" sz="2400" dirty="0" smtClean="0"/>
+              <a:t>Я планирую доработать её, добавив возможность увеличить количество мячей и сделав чтобы игра работала как заставка при неактивности(технология </a:t>
+            </a:r>
+            <a:r>
+              <a:rPr lang="en-US" sz="2400" dirty="0" smtClean="0"/>
+              <a:t>screen-saver</a:t>
+            </a:r>
+            <a:r>
+              <a:rPr lang="ru-RU" sz="2400" dirty="0" smtClean="0"/>
+              <a:t>).</a:t>
+            </a:r>
+          </a:p>
+          <a:p>
+            <a:pPr marL="0" indent="0">
+              <a:buNone/>
+            </a:pPr>
+            <a:endParaRPr lang="ru-RU" dirty="0"/>
+          </a:p>
+        </p:txBody>
+      </p:sp>
+    </p:spTree>
+    <p:extLst>
+      <p:ext uri="{BB962C8B-B14F-4D97-AF65-F5344CB8AC3E}">
+        <p14:creationId xmlns:p14="http://schemas.microsoft.com/office/powerpoint/2010/main" val="4270436261"/>
+      </p:ext>
+    </p:extLst>
+  </p:cSld>
+  <p:clrMapOvr>
+    <a:masterClrMapping/>
+  </p:clrMapOvr>
+</p:sld>
+</file>
+
 <file path=ppt/slides/slide2.xml><?xml version="1.0" encoding="utf-8"?>
 <p:sld xmlns:a="http://schemas.openxmlformats.org/drawingml/2006/main" xmlns:r="http://schemas.openxmlformats.org/officeDocument/2006/relationships" xmlns:p="http://schemas.openxmlformats.org/presentationml/2006/main">
   <p:cSld>
@@ -19396,23 +19540,7 @@
           <a:p>
             <a:r>
               <a:rPr lang="ru-RU" sz="2000" dirty="0" smtClean="0"/>
-              <a:t>С проекте присутствуют </a:t>
-            </a:r>
-            <a:r>
-              <a:rPr lang="ru-RU" sz="2000" dirty="0" smtClean="0"/>
-              <a:t>модульность</a:t>
-            </a:r>
-            <a:r>
-              <a:rPr lang="ru-RU" sz="2000" dirty="0" smtClean="0"/>
-              <a:t>, работа с файлами</a:t>
-            </a:r>
-            <a:r>
-              <a:rPr lang="ru-RU" sz="2000" dirty="0" smtClean="0"/>
-              <a:t> </a:t>
-            </a:r>
-            <a:r>
-              <a:rPr lang="ru-RU" sz="2000" dirty="0" smtClean="0"/>
-              <a:t>и сторонняя библиотека </a:t>
+              <a:t>С проекте присутствуют модульность, работа с файлами и сторонняя библиотека </a:t>
             </a:r>
             <a:r>
               <a:rPr lang="en-US" sz="2000" dirty="0" smtClean="0"/>
@@ -19420,11 +19548,7 @@
             </a:r>
             <a:r>
               <a:rPr lang="ru-RU" sz="2000" smtClean="0"/>
-              <a:t>, которая </a:t>
-            </a:r>
-            <a:r>
-              <a:rPr lang="ru-RU" sz="2000" smtClean="0"/>
-              <a:t>предоставляет </a:t>
+              <a:t>, которая предоставляет </a:t>
             </a:r>
             <a:r>
               <a:rPr lang="ru-RU" sz="2000" dirty="0" smtClean="0"/>
